--- a/2차 프로젝트 PPT.pptx
+++ b/2차 프로젝트 PPT.pptx
@@ -2,7 +2,7 @@
 <file path=ppt/presentation.xml><?xml version="1.0" encoding="utf-8"?>
 <p:presentation xmlns:r="http://schemas.openxmlformats.org/officeDocument/2006/relationships" xmlns:c="http://schemas.openxmlformats.org/drawingml/2006/chart" xmlns:a="http://schemas.openxmlformats.org/drawingml/2006/main" xmlns:dgm="http://schemas.openxmlformats.org/drawingml/2006/diagram" xmlns:dsp="http://schemas.microsoft.com/office/drawing/2008/diagram" xmlns:p="http://schemas.openxmlformats.org/presentationml/2006/main" saveSubsetFonts="1">
   <p:sldMasterIdLst>
-    <p:sldMasterId id="2147483764" r:id="rId1"/>
+    <p:sldMasterId id="2147483756" r:id="rId1"/>
   </p:sldMasterIdLst>
   <p:sldIdLst>
     <p:sldId id="256" r:id="rId2"/>
@@ -12,6 +12,24 @@
     <p:sldId id="260" r:id="rId6"/>
     <p:sldId id="261" r:id="rId7"/>
     <p:sldId id="262" r:id="rId8"/>
+    <p:sldId id="263" r:id="rId9"/>
+    <p:sldId id="264" r:id="rId10"/>
+    <p:sldId id="265" r:id="rId11"/>
+    <p:sldId id="266" r:id="rId12"/>
+    <p:sldId id="267" r:id="rId13"/>
+    <p:sldId id="268" r:id="rId14"/>
+    <p:sldId id="269" r:id="rId15"/>
+    <p:sldId id="270" r:id="rId16"/>
+    <p:sldId id="271" r:id="rId17"/>
+    <p:sldId id="272" r:id="rId18"/>
+    <p:sldId id="273" r:id="rId19"/>
+    <p:sldId id="274" r:id="rId20"/>
+    <p:sldId id="275" r:id="rId21"/>
+    <p:sldId id="276" r:id="rId22"/>
+    <p:sldId id="277" r:id="rId23"/>
+    <p:sldId id="278" r:id="rId24"/>
+    <p:sldId id="279" r:id="rId25"/>
+    <p:sldId id="280" r:id="rId26"/>
   </p:sldIdLst>
   <p:sldSz cx="12192000" cy="6858000"/>
   <p:notesSz cx="6858000" cy="9144000"/>
@@ -12292,6 +12310,1210 @@
 </p:sld>
 </file>
 
+<file path=ppt/slides/slide10.xml><?xml version="1.0" encoding="utf-8"?>
+<p:sld xmlns:r="http://schemas.openxmlformats.org/officeDocument/2006/relationships" xmlns:c="http://schemas.openxmlformats.org/drawingml/2006/chart" xmlns:a="http://schemas.openxmlformats.org/drawingml/2006/main" xmlns:dgm="http://schemas.openxmlformats.org/drawingml/2006/diagram" xmlns:dsp="http://schemas.microsoft.com/office/drawing/2008/diagram" xmlns:p="http://schemas.openxmlformats.org/presentationml/2006/main">
+  <p:cSld>
+    <p:spTree>
+      <p:nvGrpSpPr>
+        <p:cNvPr id="1" name=""/>
+        <p:cNvGrpSpPr/>
+        <p:nvPr/>
+      </p:nvGrpSpPr>
+      <p:grpSpPr>
+        <a:xfrm>
+          <a:off x="0" y="0"/>
+          <a:ext cx="0" cy="0"/>
+          <a:chOff x="0" y="0"/>
+          <a:chExt cx="0" cy="0"/>
+        </a:xfrm>
+      </p:grpSpPr>
+      <p:sp>
+        <p:nvSpPr>
+          <p:cNvPr id="2" name=""/>
+          <p:cNvSpPr>
+            <a:spLocks noGrp="1"/>
+          </p:cNvSpPr>
+          <p:nvPr>
+            <p:ph type="title" idx="0"/>
+          </p:nvPr>
+        </p:nvSpPr>
+        <p:spPr/>
+        <p:txBody>
+          <a:bodyPr/>
+          <a:lstStyle/>
+          <a:p>
+            <a:pPr>
+              <a:defRPr/>
+            </a:pPr>
+            <a:r>
+              <a:rPr lang="ko-KR" altLang="en-US"/>
+              <a:t>스토리보드</a:t>
+            </a:r>
+            <a:endParaRPr lang="ko-KR" altLang="en-US"/>
+          </a:p>
+        </p:txBody>
+      </p:sp>
+      <p:sp>
+        <p:nvSpPr>
+          <p:cNvPr id="3" name=""/>
+          <p:cNvSpPr>
+            <a:spLocks noGrp="1"/>
+          </p:cNvSpPr>
+          <p:nvPr>
+            <p:ph idx="1"/>
+          </p:nvPr>
+        </p:nvSpPr>
+        <p:spPr/>
+        <p:txBody>
+          <a:bodyPr/>
+          <a:lstStyle/>
+          <a:p>
+            <a:pPr>
+              <a:defRPr/>
+            </a:pPr>
+            <a:r>
+              <a:rPr lang="ko-KR" altLang="en-US"/>
+              <a:t/>
+            </a:r>
+            <a:endParaRPr lang="ko-KR" altLang="en-US"/>
+          </a:p>
+        </p:txBody>
+      </p:sp>
+    </p:spTree>
+  </p:cSld>
+  <p:clrMapOvr>
+    <a:masterClrMapping/>
+  </p:clrMapOvr>
+  <mc:AlternateContent xmlns:mc="http://schemas.openxmlformats.org/markup-compatibility/2006">
+    <mc:Choice xmlns:p14="http://schemas.microsoft.com/office/powerpoint/2010/main" Requires="p14">
+      <p:transition xmlns:mc="http://schemas.openxmlformats.org/markup-compatibility/2006" xmlns:p14="http://schemas.microsoft.com/office/powerpoint/2010/main" mc:Ignorable="p14" p14:dur="500"/>
+    </mc:Choice>
+    <mc:Fallback>
+      <p:transition/>
+    </mc:Fallback>
+  </mc:AlternateContent>
+</p:sld>
+</file>
+
+<file path=ppt/slides/slide11.xml><?xml version="1.0" encoding="utf-8"?>
+<p:sld xmlns:r="http://schemas.openxmlformats.org/officeDocument/2006/relationships" xmlns:c="http://schemas.openxmlformats.org/drawingml/2006/chart" xmlns:a="http://schemas.openxmlformats.org/drawingml/2006/main" xmlns:dgm="http://schemas.openxmlformats.org/drawingml/2006/diagram" xmlns:dsp="http://schemas.microsoft.com/office/drawing/2008/diagram" xmlns:p="http://schemas.openxmlformats.org/presentationml/2006/main">
+  <p:cSld>
+    <p:spTree>
+      <p:nvGrpSpPr>
+        <p:cNvPr id="1" name=""/>
+        <p:cNvGrpSpPr/>
+        <p:nvPr/>
+      </p:nvGrpSpPr>
+      <p:grpSpPr>
+        <a:xfrm>
+          <a:off x="0" y="0"/>
+          <a:ext cx="0" cy="0"/>
+          <a:chOff x="0" y="0"/>
+          <a:chExt cx="0" cy="0"/>
+        </a:xfrm>
+      </p:grpSpPr>
+      <p:sp>
+        <p:nvSpPr>
+          <p:cNvPr id="2" name=""/>
+          <p:cNvSpPr>
+            <a:spLocks noGrp="1"/>
+          </p:cNvSpPr>
+          <p:nvPr>
+            <p:ph type="title" idx="0"/>
+          </p:nvPr>
+        </p:nvSpPr>
+        <p:spPr/>
+        <p:txBody>
+          <a:bodyPr/>
+          <a:lstStyle/>
+          <a:p>
+            <a:pPr>
+              <a:defRPr/>
+            </a:pPr>
+            <a:r>
+              <a:rPr lang="en-US" altLang="ko-KR"/>
+              <a:t>ERD</a:t>
+            </a:r>
+            <a:endParaRPr lang="en-US" altLang="ko-KR"/>
+          </a:p>
+        </p:txBody>
+      </p:sp>
+      <p:pic>
+        <p:nvPicPr>
+          <p:cNvPr id="4" name=""/>
+          <p:cNvPicPr>
+            <a:picLocks noGrp="1" noChangeAspect="1"/>
+          </p:cNvPicPr>
+          <p:nvPr>
+            <p:ph idx="1"/>
+          </p:nvPr>
+        </p:nvPicPr>
+        <p:blipFill rotWithShape="1">
+          <a:blip r:embed="rId2"/>
+          <a:stretch>
+            <a:fillRect/>
+          </a:stretch>
+        </p:blipFill>
+        <p:spPr>
+          <a:xfrm>
+            <a:off x="47244" y="908685"/>
+            <a:ext cx="12000738" cy="5900754"/>
+          </a:xfrm>
+          <a:prstGeom prst="rect">
+            <a:avLst/>
+          </a:prstGeom>
+        </p:spPr>
+      </p:pic>
+    </p:spTree>
+  </p:cSld>
+  <p:clrMapOvr>
+    <a:masterClrMapping/>
+  </p:clrMapOvr>
+  <mc:AlternateContent xmlns:mc="http://schemas.openxmlformats.org/markup-compatibility/2006">
+    <mc:Choice xmlns:p14="http://schemas.microsoft.com/office/powerpoint/2010/main" Requires="p14">
+      <p:transition xmlns:mc="http://schemas.openxmlformats.org/markup-compatibility/2006" xmlns:p14="http://schemas.microsoft.com/office/powerpoint/2010/main" mc:Ignorable="p14" p14:dur="500"/>
+    </mc:Choice>
+    <mc:Fallback>
+      <p:transition/>
+    </mc:Fallback>
+  </mc:AlternateContent>
+</p:sld>
+</file>
+
+<file path=ppt/slides/slide12.xml><?xml version="1.0" encoding="utf-8"?>
+<p:sld xmlns:r="http://schemas.openxmlformats.org/officeDocument/2006/relationships" xmlns:c="http://schemas.openxmlformats.org/drawingml/2006/chart" xmlns:a="http://schemas.openxmlformats.org/drawingml/2006/main" xmlns:dgm="http://schemas.openxmlformats.org/drawingml/2006/diagram" xmlns:dsp="http://schemas.microsoft.com/office/drawing/2008/diagram" xmlns:p="http://schemas.openxmlformats.org/presentationml/2006/main">
+  <p:cSld>
+    <p:spTree>
+      <p:nvGrpSpPr>
+        <p:cNvPr id="1" name=""/>
+        <p:cNvGrpSpPr/>
+        <p:nvPr/>
+      </p:nvGrpSpPr>
+      <p:grpSpPr>
+        <a:xfrm>
+          <a:off x="0" y="0"/>
+          <a:ext cx="0" cy="0"/>
+          <a:chOff x="0" y="0"/>
+          <a:chExt cx="0" cy="0"/>
+        </a:xfrm>
+      </p:grpSpPr>
+      <p:sp>
+        <p:nvSpPr>
+          <p:cNvPr id="2" name=""/>
+          <p:cNvSpPr>
+            <a:spLocks noGrp="1"/>
+          </p:cNvSpPr>
+          <p:nvPr>
+            <p:ph type="title" idx="0"/>
+          </p:nvPr>
+        </p:nvSpPr>
+        <p:spPr/>
+        <p:txBody>
+          <a:bodyPr/>
+          <a:lstStyle/>
+          <a:p>
+            <a:pPr>
+              <a:defRPr/>
+            </a:pPr>
+            <a:r>
+              <a:rPr lang="ko-KR" altLang="en-US"/>
+              <a:t>정근승 구현화면 </a:t>
+            </a:r>
+            <a:r>
+              <a:rPr lang="en-US" altLang="ko-KR"/>
+              <a:t>Sample</a:t>
+            </a:r>
+            <a:endParaRPr lang="en-US" altLang="ko-KR"/>
+          </a:p>
+        </p:txBody>
+      </p:sp>
+      <p:pic>
+        <p:nvPicPr>
+          <p:cNvPr id="3" name=""/>
+          <p:cNvPicPr>
+            <a:picLocks noGrp="1" noChangeAspect="1"/>
+          </p:cNvPicPr>
+          <p:nvPr>
+            <p:ph idx="1"/>
+          </p:nvPr>
+        </p:nvPicPr>
+        <p:blipFill rotWithShape="1">
+          <a:blip r:embed="rId2"/>
+          <a:stretch>
+            <a:fillRect/>
+          </a:stretch>
+        </p:blipFill>
+        <p:spPr>
+          <a:xfrm>
+            <a:off x="1703451" y="1180954"/>
+            <a:ext cx="8420184" cy="5677045"/>
+          </a:xfrm>
+          <a:prstGeom prst="rect">
+            <a:avLst/>
+          </a:prstGeom>
+        </p:spPr>
+      </p:pic>
+    </p:spTree>
+  </p:cSld>
+  <p:clrMapOvr>
+    <a:masterClrMapping/>
+  </p:clrMapOvr>
+  <mc:AlternateContent xmlns:mc="http://schemas.openxmlformats.org/markup-compatibility/2006">
+    <mc:Choice xmlns:p14="http://schemas.microsoft.com/office/powerpoint/2010/main" Requires="p14">
+      <p:transition xmlns:mc="http://schemas.openxmlformats.org/markup-compatibility/2006" xmlns:p14="http://schemas.microsoft.com/office/powerpoint/2010/main" mc:Ignorable="p14" p14:dur="500"/>
+    </mc:Choice>
+    <mc:Fallback>
+      <p:transition/>
+    </mc:Fallback>
+  </mc:AlternateContent>
+</p:sld>
+</file>
+
+<file path=ppt/slides/slide13.xml><?xml version="1.0" encoding="utf-8"?>
+<p:sld xmlns:r="http://schemas.openxmlformats.org/officeDocument/2006/relationships" xmlns:c="http://schemas.openxmlformats.org/drawingml/2006/chart" xmlns:a="http://schemas.openxmlformats.org/drawingml/2006/main" xmlns:dgm="http://schemas.openxmlformats.org/drawingml/2006/diagram" xmlns:dsp="http://schemas.microsoft.com/office/drawing/2008/diagram" xmlns:p="http://schemas.openxmlformats.org/presentationml/2006/main">
+  <p:cSld>
+    <p:spTree>
+      <p:nvGrpSpPr>
+        <p:cNvPr id="1" name=""/>
+        <p:cNvGrpSpPr/>
+        <p:nvPr/>
+      </p:nvGrpSpPr>
+      <p:grpSpPr>
+        <a:xfrm>
+          <a:off x="0" y="0"/>
+          <a:ext cx="0" cy="0"/>
+          <a:chOff x="0" y="0"/>
+          <a:chExt cx="0" cy="0"/>
+        </a:xfrm>
+      </p:grpSpPr>
+      <p:sp>
+        <p:nvSpPr>
+          <p:cNvPr id="2" name=""/>
+          <p:cNvSpPr>
+            <a:spLocks noGrp="1"/>
+          </p:cNvSpPr>
+          <p:nvPr>
+            <p:ph type="title" idx="0"/>
+          </p:nvPr>
+        </p:nvSpPr>
+        <p:spPr/>
+        <p:txBody>
+          <a:bodyPr/>
+          <a:lstStyle/>
+          <a:p>
+            <a:pPr>
+              <a:defRPr/>
+            </a:pPr>
+            <a:r>
+              <a:rPr lang="ko-KR" altLang="en-US"/>
+              <a:t>정근승 코드 </a:t>
+            </a:r>
+            <a:r>
+              <a:rPr lang="en-US" altLang="ko-KR"/>
+              <a:t>Sample</a:t>
+            </a:r>
+            <a:endParaRPr lang="en-US" altLang="ko-KR"/>
+          </a:p>
+        </p:txBody>
+      </p:sp>
+      <p:pic>
+        <p:nvPicPr>
+          <p:cNvPr id="3" name=""/>
+          <p:cNvPicPr>
+            <a:picLocks noGrp="1" noChangeAspect="1"/>
+          </p:cNvPicPr>
+          <p:nvPr>
+            <p:ph idx="1"/>
+          </p:nvPr>
+        </p:nvPicPr>
+        <p:blipFill rotWithShape="1">
+          <a:blip r:embed="rId2"/>
+          <a:stretch>
+            <a:fillRect/>
+          </a:stretch>
+        </p:blipFill>
+        <p:spPr>
+          <a:xfrm>
+            <a:off x="609599" y="1220053"/>
+            <a:ext cx="6115903" cy="4801270"/>
+          </a:xfrm>
+          <a:prstGeom prst="rect">
+            <a:avLst/>
+          </a:prstGeom>
+        </p:spPr>
+      </p:pic>
+      <p:sp>
+        <p:nvSpPr>
+          <p:cNvPr id="4" name=""/>
+          <p:cNvSpPr txBox="1"/>
+          <p:nvPr/>
+        </p:nvSpPr>
+        <p:spPr>
+          <a:xfrm>
+            <a:off x="5087874" y="944523"/>
+            <a:ext cx="4430662" cy="1179957"/>
+          </a:xfrm>
+          <a:prstGeom prst="rect">
+            <a:avLst/>
+          </a:prstGeom>
+        </p:spPr>
+        <p:txBody>
+          <a:bodyPr wrap="none">
+            <a:spAutoFit/>
+          </a:bodyPr>
+          <a:p>
+            <a:pPr>
+              <a:defRPr/>
+            </a:pPr>
+            <a:r>
+              <a:rPr lang="ko-KR" altLang="en-US"/>
+              <a:t>선택된 체크박스의 </a:t>
+            </a:r>
+            <a:r>
+              <a:rPr lang="en-US" altLang="ko-KR"/>
+              <a:t>tr</a:t>
+            </a:r>
+            <a:r>
+              <a:rPr lang="ko-KR" altLang="en-US"/>
+              <a:t>을 구하고 그 안 기본키로</a:t>
+            </a:r>
+            <a:endParaRPr lang="ko-KR" altLang="en-US"/>
+          </a:p>
+          <a:p>
+            <a:pPr>
+              <a:defRPr/>
+            </a:pPr>
+            <a:r>
+              <a:rPr lang="ko-KR" altLang="en-US"/>
+              <a:t>할당된 코드에 아이디를 줘서 그 아이디를</a:t>
+            </a:r>
+            <a:endParaRPr lang="ko-KR" altLang="en-US"/>
+          </a:p>
+          <a:p>
+            <a:pPr>
+              <a:defRPr/>
+            </a:pPr>
+            <a:r>
+              <a:rPr lang="ko-KR" altLang="en-US"/>
+              <a:t>배열에 담아 </a:t>
+            </a:r>
+            <a:r>
+              <a:rPr lang="en-US" altLang="ko-KR"/>
+              <a:t>Ajax</a:t>
+            </a:r>
+            <a:r>
+              <a:rPr lang="ko-KR" altLang="en-US"/>
+              <a:t>에 보낼때 쉼표로 구분하여 </a:t>
+            </a:r>
+            <a:endParaRPr lang="ko-KR" altLang="en-US"/>
+          </a:p>
+          <a:p>
+            <a:pPr>
+              <a:defRPr/>
+            </a:pPr>
+            <a:r>
+              <a:rPr lang="ko-KR" altLang="en-US"/>
+              <a:t>보냅니다</a:t>
+            </a:r>
+            <a:r>
+              <a:rPr lang="en-US" altLang="ko-KR"/>
+              <a:t>.</a:t>
+            </a:r>
+            <a:r>
+              <a:rPr lang="ko-KR" altLang="en-US"/>
+              <a:t> 보낸 코드를</a:t>
+            </a:r>
+            <a:endParaRPr lang="ko-KR" altLang="en-US"/>
+          </a:p>
+        </p:txBody>
+      </p:sp>
+      <p:pic>
+        <p:nvPicPr>
+          <p:cNvPr id="5" name=""/>
+          <p:cNvPicPr>
+            <a:picLocks noChangeAspect="1"/>
+          </p:cNvPicPr>
+          <p:nvPr/>
+        </p:nvPicPr>
+        <p:blipFill rotWithShape="1">
+          <a:blip r:embed="rId3"/>
+          <a:stretch>
+            <a:fillRect/>
+          </a:stretch>
+        </p:blipFill>
+        <p:spPr>
+          <a:xfrm>
+            <a:off x="6096000" y="2125633"/>
+            <a:ext cx="6096000" cy="3463636"/>
+          </a:xfrm>
+          <a:prstGeom prst="rect">
+            <a:avLst/>
+          </a:prstGeom>
+        </p:spPr>
+      </p:pic>
+      <p:sp>
+        <p:nvSpPr>
+          <p:cNvPr id="6" name=""/>
+          <p:cNvSpPr txBox="1"/>
+          <p:nvPr/>
+        </p:nvSpPr>
+        <p:spPr>
+          <a:xfrm>
+            <a:off x="6312027" y="5589270"/>
+            <a:ext cx="5472684" cy="904875"/>
+          </a:xfrm>
+          <a:prstGeom prst="rect">
+            <a:avLst/>
+          </a:prstGeom>
+        </p:spPr>
+        <p:txBody>
+          <a:bodyPr wrap="square">
+            <a:spAutoFit/>
+          </a:bodyPr>
+          <a:p>
+            <a:pPr>
+              <a:defRPr/>
+            </a:pPr>
+            <a:r>
+              <a:rPr lang="ko-KR" altLang="en-US"/>
+              <a:t>다시 구분된 쉼표를 제거하여 배열로 변환한 뒤 오라클 </a:t>
+            </a:r>
+            <a:r>
+              <a:rPr lang="en-US" altLang="ko-KR"/>
+              <a:t>SQL</a:t>
+            </a:r>
+            <a:r>
+              <a:rPr lang="ko-KR" altLang="en-US"/>
+              <a:t>문을 반복 실행하여 원하는 만큼의 데이터가 지워지게 했습니다</a:t>
+            </a:r>
+            <a:r>
+              <a:rPr lang="en-US" altLang="ko-KR"/>
+              <a:t>.</a:t>
+            </a:r>
+            <a:endParaRPr lang="en-US" altLang="ko-KR"/>
+          </a:p>
+        </p:txBody>
+      </p:sp>
+    </p:spTree>
+  </p:cSld>
+  <p:clrMapOvr>
+    <a:masterClrMapping/>
+  </p:clrMapOvr>
+  <mc:AlternateContent xmlns:mc="http://schemas.openxmlformats.org/markup-compatibility/2006">
+    <mc:Choice xmlns:p14="http://schemas.microsoft.com/office/powerpoint/2010/main" Requires="p14">
+      <p:transition xmlns:mc="http://schemas.openxmlformats.org/markup-compatibility/2006" xmlns:p14="http://schemas.microsoft.com/office/powerpoint/2010/main" mc:Ignorable="p14" p14:dur="500"/>
+    </mc:Choice>
+    <mc:Fallback>
+      <p:transition/>
+    </mc:Fallback>
+  </mc:AlternateContent>
+</p:sld>
+</file>
+
+<file path=ppt/slides/slide14.xml><?xml version="1.0" encoding="utf-8"?>
+<p:sld xmlns:r="http://schemas.openxmlformats.org/officeDocument/2006/relationships" xmlns:c="http://schemas.openxmlformats.org/drawingml/2006/chart" xmlns:a="http://schemas.openxmlformats.org/drawingml/2006/main" xmlns:dgm="http://schemas.openxmlformats.org/drawingml/2006/diagram" xmlns:dsp="http://schemas.microsoft.com/office/drawing/2008/diagram" xmlns:p="http://schemas.openxmlformats.org/presentationml/2006/main">
+  <p:cSld>
+    <p:spTree>
+      <p:nvGrpSpPr>
+        <p:cNvPr id="1" name=""/>
+        <p:cNvGrpSpPr/>
+        <p:nvPr/>
+      </p:nvGrpSpPr>
+      <p:grpSpPr>
+        <a:xfrm>
+          <a:off x="0" y="0"/>
+          <a:ext cx="0" cy="0"/>
+          <a:chOff x="0" y="0"/>
+          <a:chExt cx="0" cy="0"/>
+        </a:xfrm>
+      </p:grpSpPr>
+      <p:sp>
+        <p:nvSpPr>
+          <p:cNvPr id="2" name=""/>
+          <p:cNvSpPr>
+            <a:spLocks noGrp="1"/>
+          </p:cNvSpPr>
+          <p:nvPr>
+            <p:ph type="title" idx="0"/>
+          </p:nvPr>
+        </p:nvSpPr>
+        <p:spPr/>
+        <p:txBody>
+          <a:bodyPr/>
+          <a:lstStyle/>
+          <a:p>
+            <a:pPr>
+              <a:defRPr/>
+            </a:pPr>
+            <a:r>
+              <a:rPr lang="ko-KR" altLang="en-US"/>
+              <a:t>김진홍 구현화면 </a:t>
+            </a:r>
+            <a:r>
+              <a:rPr lang="en-US" altLang="ko-KR"/>
+              <a:t>Sample</a:t>
+            </a:r>
+            <a:endParaRPr lang="en-US" altLang="ko-KR"/>
+          </a:p>
+        </p:txBody>
+      </p:sp>
+      <p:pic>
+        <p:nvPicPr>
+          <p:cNvPr id="3" name=""/>
+          <p:cNvPicPr>
+            <a:picLocks noGrp="1" noChangeAspect="1"/>
+          </p:cNvPicPr>
+          <p:nvPr>
+            <p:ph idx="1"/>
+          </p:nvPr>
+        </p:nvPicPr>
+        <p:blipFill rotWithShape="1">
+          <a:blip r:embed="rId2"/>
+          <a:stretch>
+            <a:fillRect/>
+          </a:stretch>
+        </p:blipFill>
+        <p:spPr>
+          <a:xfrm>
+            <a:off x="2063496" y="1124712"/>
+            <a:ext cx="7628085" cy="5142997"/>
+          </a:xfrm>
+          <a:prstGeom prst="rect">
+            <a:avLst/>
+          </a:prstGeom>
+        </p:spPr>
+      </p:pic>
+    </p:spTree>
+  </p:cSld>
+  <p:clrMapOvr>
+    <a:masterClrMapping/>
+  </p:clrMapOvr>
+  <mc:AlternateContent xmlns:mc="http://schemas.openxmlformats.org/markup-compatibility/2006">
+    <mc:Choice xmlns:p14="http://schemas.microsoft.com/office/powerpoint/2010/main" Requires="p14">
+      <p:transition xmlns:mc="http://schemas.openxmlformats.org/markup-compatibility/2006" xmlns:p14="http://schemas.microsoft.com/office/powerpoint/2010/main" mc:Ignorable="p14" p14:dur="500"/>
+    </mc:Choice>
+    <mc:Fallback>
+      <p:transition/>
+    </mc:Fallback>
+  </mc:AlternateContent>
+</p:sld>
+</file>
+
+<file path=ppt/slides/slide15.xml><?xml version="1.0" encoding="utf-8"?>
+<p:sld xmlns:r="http://schemas.openxmlformats.org/officeDocument/2006/relationships" xmlns:c="http://schemas.openxmlformats.org/drawingml/2006/chart" xmlns:a="http://schemas.openxmlformats.org/drawingml/2006/main" xmlns:dgm="http://schemas.openxmlformats.org/drawingml/2006/diagram" xmlns:dsp="http://schemas.microsoft.com/office/drawing/2008/diagram" xmlns:p="http://schemas.openxmlformats.org/presentationml/2006/main">
+  <p:cSld>
+    <p:spTree>
+      <p:nvGrpSpPr>
+        <p:cNvPr id="1" name=""/>
+        <p:cNvGrpSpPr/>
+        <p:nvPr/>
+      </p:nvGrpSpPr>
+      <p:grpSpPr>
+        <a:xfrm>
+          <a:off x="0" y="0"/>
+          <a:ext cx="0" cy="0"/>
+          <a:chOff x="0" y="0"/>
+          <a:chExt cx="0" cy="0"/>
+        </a:xfrm>
+      </p:grpSpPr>
+      <p:sp>
+        <p:nvSpPr>
+          <p:cNvPr id="2" name=""/>
+          <p:cNvSpPr>
+            <a:spLocks noGrp="1"/>
+          </p:cNvSpPr>
+          <p:nvPr>
+            <p:ph type="title" idx="0"/>
+          </p:nvPr>
+        </p:nvSpPr>
+        <p:spPr/>
+        <p:txBody>
+          <a:bodyPr/>
+          <a:lstStyle/>
+          <a:p>
+            <a:pPr>
+              <a:defRPr/>
+            </a:pPr>
+            <a:r>
+              <a:rPr lang="ko-KR" altLang="en-US"/>
+              <a:t>김진홍 코드 </a:t>
+            </a:r>
+            <a:r>
+              <a:rPr lang="en-US" altLang="ko-KR"/>
+              <a:t>Sample</a:t>
+            </a:r>
+            <a:endParaRPr lang="en-US" altLang="ko-KR"/>
+          </a:p>
+        </p:txBody>
+      </p:sp>
+      <p:pic>
+        <p:nvPicPr>
+          <p:cNvPr id="3" name=""/>
+          <p:cNvPicPr>
+            <a:picLocks noGrp="1" noChangeAspect="1"/>
+          </p:cNvPicPr>
+          <p:nvPr>
+            <p:ph idx="1"/>
+          </p:nvPr>
+        </p:nvPicPr>
+        <p:blipFill rotWithShape="1">
+          <a:blip r:embed="rId2"/>
+          <a:stretch>
+            <a:fillRect/>
+          </a:stretch>
+        </p:blipFill>
+        <p:spPr>
+          <a:xfrm>
+            <a:off x="263271" y="1124711"/>
+            <a:ext cx="8200508" cy="4896612"/>
+          </a:xfrm>
+          <a:prstGeom prst="rect">
+            <a:avLst/>
+          </a:prstGeom>
+        </p:spPr>
+      </p:pic>
+      <p:sp>
+        <p:nvSpPr>
+          <p:cNvPr id="4" name=""/>
+          <p:cNvSpPr txBox="1"/>
+          <p:nvPr/>
+        </p:nvSpPr>
+        <p:spPr>
+          <a:xfrm>
+            <a:off x="8328279" y="1340739"/>
+            <a:ext cx="3384424" cy="1457706"/>
+          </a:xfrm>
+          <a:prstGeom prst="rect">
+            <a:avLst/>
+          </a:prstGeom>
+        </p:spPr>
+        <p:txBody>
+          <a:bodyPr wrap="square">
+            <a:spAutoFit/>
+          </a:bodyPr>
+          <a:p>
+            <a:pPr>
+              <a:defRPr/>
+            </a:pPr>
+            <a:r>
+              <a:rPr lang="ko-KR" altLang="en-US"/>
+              <a:t>날짜에 필터를 걸어 원하는 날짜의 정보를 얻게 할수 있는 기능입니다</a:t>
+            </a:r>
+            <a:r>
+              <a:rPr lang="en-US" altLang="ko-KR"/>
+              <a:t>.</a:t>
+            </a:r>
+            <a:endParaRPr lang="en-US" altLang="ko-KR"/>
+          </a:p>
+          <a:p>
+            <a:pPr>
+              <a:defRPr/>
+            </a:pPr>
+            <a:r>
+              <a:rPr lang="ko-KR" altLang="en-US"/>
+              <a:t>함수를 만들어 </a:t>
+            </a:r>
+            <a:r>
+              <a:rPr lang="en-US" altLang="ko-KR"/>
+              <a:t>css</a:t>
+            </a:r>
+            <a:r>
+              <a:rPr lang="ko-KR" altLang="en-US"/>
+              <a:t> 스타일에 </a:t>
+            </a:r>
+            <a:r>
+              <a:rPr lang="en-US" altLang="ko-KR"/>
+              <a:t>display:none</a:t>
+            </a:r>
+            <a:r>
+              <a:rPr lang="ko-KR" altLang="en-US"/>
+              <a:t>을 주워 필터링 하였습니다</a:t>
+            </a:r>
+            <a:r>
+              <a:rPr lang="en-US" altLang="ko-KR"/>
+              <a:t>.</a:t>
+            </a:r>
+            <a:endParaRPr lang="en-US" altLang="ko-KR"/>
+          </a:p>
+        </p:txBody>
+      </p:sp>
+    </p:spTree>
+  </p:cSld>
+  <p:clrMapOvr>
+    <a:masterClrMapping/>
+  </p:clrMapOvr>
+  <mc:AlternateContent xmlns:mc="http://schemas.openxmlformats.org/markup-compatibility/2006">
+    <mc:Choice xmlns:p14="http://schemas.microsoft.com/office/powerpoint/2010/main" Requires="p14">
+      <p:transition xmlns:mc="http://schemas.openxmlformats.org/markup-compatibility/2006" xmlns:p14="http://schemas.microsoft.com/office/powerpoint/2010/main" mc:Ignorable="p14" p14:dur="500"/>
+    </mc:Choice>
+    <mc:Fallback>
+      <p:transition/>
+    </mc:Fallback>
+  </mc:AlternateContent>
+</p:sld>
+</file>
+
+<file path=ppt/slides/slide16.xml><?xml version="1.0" encoding="utf-8"?>
+<p:sld xmlns:r="http://schemas.openxmlformats.org/officeDocument/2006/relationships" xmlns:c="http://schemas.openxmlformats.org/drawingml/2006/chart" xmlns:a="http://schemas.openxmlformats.org/drawingml/2006/main" xmlns:dgm="http://schemas.openxmlformats.org/drawingml/2006/diagram" xmlns:dsp="http://schemas.microsoft.com/office/drawing/2008/diagram" xmlns:p="http://schemas.openxmlformats.org/presentationml/2006/main">
+  <p:cSld>
+    <p:spTree>
+      <p:nvGrpSpPr>
+        <p:cNvPr id="1" name=""/>
+        <p:cNvGrpSpPr/>
+        <p:nvPr/>
+      </p:nvGrpSpPr>
+      <p:grpSpPr>
+        <a:xfrm>
+          <a:off x="0" y="0"/>
+          <a:ext cx="0" cy="0"/>
+          <a:chOff x="0" y="0"/>
+          <a:chExt cx="0" cy="0"/>
+        </a:xfrm>
+      </p:grpSpPr>
+      <p:pic>
+        <p:nvPicPr>
+          <p:cNvPr id="5" name=""/>
+          <p:cNvPicPr>
+            <a:picLocks noChangeAspect="1"/>
+          </p:cNvPicPr>
+          <p:nvPr/>
+        </p:nvPicPr>
+        <p:blipFill rotWithShape="1">
+          <a:blip r:embed="rId2"/>
+          <a:stretch>
+            <a:fillRect/>
+          </a:stretch>
+        </p:blipFill>
+        <p:spPr>
+          <a:xfrm>
+            <a:off x="171414" y="944523"/>
+            <a:ext cx="6644676" cy="4500729"/>
+          </a:xfrm>
+          <a:prstGeom prst="rect">
+            <a:avLst/>
+          </a:prstGeom>
+        </p:spPr>
+      </p:pic>
+      <p:sp>
+        <p:nvSpPr>
+          <p:cNvPr id="2" name=""/>
+          <p:cNvSpPr>
+            <a:spLocks noGrp="1"/>
+          </p:cNvSpPr>
+          <p:nvPr>
+            <p:ph type="title" idx="0"/>
+          </p:nvPr>
+        </p:nvSpPr>
+        <p:spPr/>
+        <p:txBody>
+          <a:bodyPr/>
+          <a:lstStyle/>
+          <a:p>
+            <a:pPr>
+              <a:defRPr/>
+            </a:pPr>
+            <a:r>
+              <a:rPr lang="ko-KR" altLang="en-US"/>
+              <a:t>김소원 구현화면 </a:t>
+            </a:r>
+            <a:r>
+              <a:rPr lang="en-US" altLang="ko-KR"/>
+              <a:t>Sample</a:t>
+            </a:r>
+            <a:endParaRPr lang="en-US" altLang="ko-KR"/>
+          </a:p>
+        </p:txBody>
+      </p:sp>
+      <p:pic>
+        <p:nvPicPr>
+          <p:cNvPr id="4" name=""/>
+          <p:cNvPicPr>
+            <a:picLocks noChangeAspect="1"/>
+          </p:cNvPicPr>
+          <p:nvPr/>
+        </p:nvPicPr>
+        <p:blipFill rotWithShape="1">
+          <a:blip r:embed="rId3"/>
+          <a:srcRect t="8430" b="40530"/>
+          <a:stretch>
+            <a:fillRect/>
+          </a:stretch>
+        </p:blipFill>
+        <p:spPr>
+          <a:xfrm>
+            <a:off x="6976733" y="2996946"/>
+            <a:ext cx="5024361" cy="1728216"/>
+          </a:xfrm>
+          <a:prstGeom prst="rect">
+            <a:avLst/>
+          </a:prstGeom>
+        </p:spPr>
+      </p:pic>
+      <p:pic>
+        <p:nvPicPr>
+          <p:cNvPr id="3" name=""/>
+          <p:cNvPicPr>
+            <a:picLocks noGrp="1" noChangeAspect="1"/>
+          </p:cNvPicPr>
+          <p:nvPr>
+            <p:ph idx="1"/>
+          </p:nvPr>
+        </p:nvPicPr>
+        <p:blipFill rotWithShape="1">
+          <a:blip r:embed="rId4"/>
+          <a:srcRect t="9100" b="41890"/>
+          <a:stretch>
+            <a:fillRect/>
+          </a:stretch>
+        </p:blipFill>
+        <p:spPr>
+          <a:xfrm>
+            <a:off x="6960108" y="4841748"/>
+            <a:ext cx="5078115" cy="1683639"/>
+          </a:xfrm>
+          <a:prstGeom prst="rect">
+            <a:avLst/>
+          </a:prstGeom>
+        </p:spPr>
+      </p:pic>
+    </p:spTree>
+  </p:cSld>
+  <p:clrMapOvr>
+    <a:masterClrMapping/>
+  </p:clrMapOvr>
+  <mc:AlternateContent xmlns:mc="http://schemas.openxmlformats.org/markup-compatibility/2006">
+    <mc:Choice xmlns:p14="http://schemas.microsoft.com/office/powerpoint/2010/main" Requires="p14">
+      <p:transition xmlns:mc="http://schemas.openxmlformats.org/markup-compatibility/2006" xmlns:p14="http://schemas.microsoft.com/office/powerpoint/2010/main" mc:Ignorable="p14" p14:dur="500"/>
+    </mc:Choice>
+    <mc:Fallback>
+      <p:transition/>
+    </mc:Fallback>
+  </mc:AlternateContent>
+</p:sld>
+</file>
+
+<file path=ppt/slides/slide17.xml><?xml version="1.0" encoding="utf-8"?>
+<p:sld xmlns:r="http://schemas.openxmlformats.org/officeDocument/2006/relationships" xmlns:c="http://schemas.openxmlformats.org/drawingml/2006/chart" xmlns:a="http://schemas.openxmlformats.org/drawingml/2006/main" xmlns:dgm="http://schemas.openxmlformats.org/drawingml/2006/diagram" xmlns:dsp="http://schemas.microsoft.com/office/drawing/2008/diagram" xmlns:p="http://schemas.openxmlformats.org/presentationml/2006/main">
+  <p:cSld>
+    <p:spTree>
+      <p:nvGrpSpPr>
+        <p:cNvPr id="1" name=""/>
+        <p:cNvGrpSpPr/>
+        <p:nvPr/>
+      </p:nvGrpSpPr>
+      <p:grpSpPr>
+        <a:xfrm>
+          <a:off x="0" y="0"/>
+          <a:ext cx="0" cy="0"/>
+          <a:chOff x="0" y="0"/>
+          <a:chExt cx="0" cy="0"/>
+        </a:xfrm>
+      </p:grpSpPr>
+      <p:sp>
+        <p:nvSpPr>
+          <p:cNvPr id="2" name=""/>
+          <p:cNvSpPr>
+            <a:spLocks noGrp="1"/>
+          </p:cNvSpPr>
+          <p:nvPr>
+            <p:ph type="title" idx="0"/>
+          </p:nvPr>
+        </p:nvSpPr>
+        <p:spPr/>
+        <p:txBody>
+          <a:bodyPr/>
+          <a:lstStyle/>
+          <a:p>
+            <a:pPr>
+              <a:defRPr/>
+            </a:pPr>
+            <a:r>
+              <a:rPr lang="ko-KR" altLang="en-US"/>
+              <a:t>김소원 코드</a:t>
+            </a:r>
+            <a:r>
+              <a:rPr lang="en-US" altLang="ko-KR"/>
+              <a:t> Sample</a:t>
+            </a:r>
+            <a:endParaRPr lang="en-US" altLang="ko-KR"/>
+          </a:p>
+        </p:txBody>
+      </p:sp>
+      <p:pic>
+        <p:nvPicPr>
+          <p:cNvPr id="3" name=""/>
+          <p:cNvPicPr>
+            <a:picLocks noGrp="1" noChangeAspect="1"/>
+          </p:cNvPicPr>
+          <p:nvPr>
+            <p:ph idx="1"/>
+          </p:nvPr>
+        </p:nvPicPr>
+        <p:blipFill rotWithShape="1">
+          <a:blip r:embed="rId2"/>
+          <a:stretch>
+            <a:fillRect/>
+          </a:stretch>
+        </p:blipFill>
+        <p:spPr>
+          <a:xfrm>
+            <a:off x="133299" y="1055675"/>
+            <a:ext cx="8627034" cy="4746649"/>
+          </a:xfrm>
+          <a:prstGeom prst="rect">
+            <a:avLst/>
+          </a:prstGeom>
+        </p:spPr>
+      </p:pic>
+      <p:sp>
+        <p:nvSpPr>
+          <p:cNvPr id="4" name=""/>
+          <p:cNvSpPr txBox="1"/>
+          <p:nvPr/>
+        </p:nvSpPr>
+        <p:spPr>
+          <a:xfrm>
+            <a:off x="8760333" y="1484757"/>
+            <a:ext cx="2606038" cy="1456563"/>
+          </a:xfrm>
+          <a:prstGeom prst="rect">
+            <a:avLst/>
+          </a:prstGeom>
+        </p:spPr>
+        <p:txBody>
+          <a:bodyPr wrap="square">
+            <a:spAutoFit/>
+          </a:bodyPr>
+          <a:p>
+            <a:pPr>
+              <a:defRPr/>
+            </a:pPr>
+            <a:r>
+              <a:rPr lang="ko-KR" altLang="en-US"/>
+              <a:t>각종 페이지별로 </a:t>
+            </a:r>
+            <a:r>
+              <a:rPr lang="en-US" altLang="ko-KR"/>
+              <a:t>Controller, Service, DTO, DAO</a:t>
+            </a:r>
+            <a:r>
+              <a:rPr lang="ko-KR" altLang="en-US"/>
+              <a:t> 파일을 세분화 하여 </a:t>
+            </a:r>
+            <a:r>
+              <a:rPr lang="en-US" altLang="ko-KR"/>
+              <a:t>CRUD</a:t>
+            </a:r>
+            <a:r>
+              <a:rPr lang="ko-KR" altLang="en-US"/>
+              <a:t>를 진행했습니다</a:t>
+            </a:r>
+            <a:r>
+              <a:rPr lang="en-US" altLang="ko-KR"/>
+              <a:t>.</a:t>
+            </a:r>
+            <a:r>
+              <a:rPr lang="ko-KR" altLang="en-US"/>
+              <a:t> </a:t>
+            </a:r>
+            <a:endParaRPr lang="ko-KR" altLang="en-US"/>
+          </a:p>
+        </p:txBody>
+      </p:sp>
+    </p:spTree>
+  </p:cSld>
+  <p:clrMapOvr>
+    <a:masterClrMapping/>
+  </p:clrMapOvr>
+  <mc:AlternateContent xmlns:mc="http://schemas.openxmlformats.org/markup-compatibility/2006">
+    <mc:Choice xmlns:p14="http://schemas.microsoft.com/office/powerpoint/2010/main" Requires="p14">
+      <p:transition xmlns:mc="http://schemas.openxmlformats.org/markup-compatibility/2006" xmlns:p14="http://schemas.microsoft.com/office/powerpoint/2010/main" mc:Ignorable="p14" p14:dur="500"/>
+    </mc:Choice>
+    <mc:Fallback>
+      <p:transition/>
+    </mc:Fallback>
+  </mc:AlternateContent>
+</p:sld>
+</file>
+
+<file path=ppt/slides/slide18.xml><?xml version="1.0" encoding="utf-8"?>
+<p:sld xmlns:r="http://schemas.openxmlformats.org/officeDocument/2006/relationships" xmlns:c="http://schemas.openxmlformats.org/drawingml/2006/chart" xmlns:a="http://schemas.openxmlformats.org/drawingml/2006/main" xmlns:dgm="http://schemas.openxmlformats.org/drawingml/2006/diagram" xmlns:dsp="http://schemas.microsoft.com/office/drawing/2008/diagram" xmlns:p="http://schemas.openxmlformats.org/presentationml/2006/main">
+  <p:cSld>
+    <p:spTree>
+      <p:nvGrpSpPr>
+        <p:cNvPr id="1" name=""/>
+        <p:cNvGrpSpPr/>
+        <p:nvPr/>
+      </p:nvGrpSpPr>
+      <p:grpSpPr>
+        <a:xfrm>
+          <a:off x="0" y="0"/>
+          <a:ext cx="0" cy="0"/>
+          <a:chOff x="0" y="0"/>
+          <a:chExt cx="0" cy="0"/>
+        </a:xfrm>
+      </p:grpSpPr>
+      <p:sp>
+        <p:nvSpPr>
+          <p:cNvPr id="2" name=""/>
+          <p:cNvSpPr>
+            <a:spLocks noGrp="1"/>
+          </p:cNvSpPr>
+          <p:nvPr>
+            <p:ph type="title" idx="0"/>
+          </p:nvPr>
+        </p:nvSpPr>
+        <p:spPr/>
+        <p:txBody>
+          <a:bodyPr/>
+          <a:lstStyle/>
+          <a:p>
+            <a:pPr>
+              <a:defRPr/>
+            </a:pPr>
+            <a:r>
+              <a:rPr lang="ko-KR" altLang="en-US"/>
+              <a:t>권대호 구현화면 </a:t>
+            </a:r>
+            <a:r>
+              <a:rPr lang="en-US" altLang="ko-KR"/>
+              <a:t>Sample</a:t>
+            </a:r>
+            <a:endParaRPr lang="en-US" altLang="ko-KR"/>
+          </a:p>
+        </p:txBody>
+      </p:sp>
+      <p:sp>
+        <p:nvSpPr>
+          <p:cNvPr id="3" name=""/>
+          <p:cNvSpPr>
+            <a:spLocks noGrp="1"/>
+          </p:cNvSpPr>
+          <p:nvPr>
+            <p:ph idx="1"/>
+          </p:nvPr>
+        </p:nvSpPr>
+        <p:spPr/>
+        <p:txBody>
+          <a:bodyPr/>
+          <a:lstStyle/>
+          <a:p>
+            <a:pPr>
+              <a:defRPr/>
+            </a:pPr>
+            <a:r>
+              <a:rPr lang="ko-KR" altLang="en-US"/>
+              <a:t/>
+            </a:r>
+            <a:endParaRPr lang="ko-KR" altLang="en-US"/>
+          </a:p>
+        </p:txBody>
+      </p:sp>
+    </p:spTree>
+  </p:cSld>
+  <p:clrMapOvr>
+    <a:masterClrMapping/>
+  </p:clrMapOvr>
+  <mc:AlternateContent xmlns:mc="http://schemas.openxmlformats.org/markup-compatibility/2006">
+    <mc:Choice xmlns:p14="http://schemas.microsoft.com/office/powerpoint/2010/main" Requires="p14">
+      <p:transition xmlns:mc="http://schemas.openxmlformats.org/markup-compatibility/2006" xmlns:p14="http://schemas.microsoft.com/office/powerpoint/2010/main" mc:Ignorable="p14" p14:dur="500"/>
+    </mc:Choice>
+    <mc:Fallback>
+      <p:transition/>
+    </mc:Fallback>
+  </mc:AlternateContent>
+</p:sld>
+</file>
+
+<file path=ppt/slides/slide19.xml><?xml version="1.0" encoding="utf-8"?>
+<p:sld xmlns:r="http://schemas.openxmlformats.org/officeDocument/2006/relationships" xmlns:c="http://schemas.openxmlformats.org/drawingml/2006/chart" xmlns:a="http://schemas.openxmlformats.org/drawingml/2006/main" xmlns:dgm="http://schemas.openxmlformats.org/drawingml/2006/diagram" xmlns:dsp="http://schemas.microsoft.com/office/drawing/2008/diagram" xmlns:p="http://schemas.openxmlformats.org/presentationml/2006/main">
+  <p:cSld>
+    <p:spTree>
+      <p:nvGrpSpPr>
+        <p:cNvPr id="1" name=""/>
+        <p:cNvGrpSpPr/>
+        <p:nvPr/>
+      </p:nvGrpSpPr>
+      <p:grpSpPr>
+        <a:xfrm>
+          <a:off x="0" y="0"/>
+          <a:ext cx="0" cy="0"/>
+          <a:chOff x="0" y="0"/>
+          <a:chExt cx="0" cy="0"/>
+        </a:xfrm>
+      </p:grpSpPr>
+      <p:sp>
+        <p:nvSpPr>
+          <p:cNvPr id="2" name=""/>
+          <p:cNvSpPr>
+            <a:spLocks noGrp="1"/>
+          </p:cNvSpPr>
+          <p:nvPr>
+            <p:ph type="title" idx="0"/>
+          </p:nvPr>
+        </p:nvSpPr>
+        <p:spPr/>
+        <p:txBody>
+          <a:bodyPr/>
+          <a:lstStyle/>
+          <a:p>
+            <a:pPr>
+              <a:defRPr/>
+            </a:pPr>
+            <a:r>
+              <a:rPr lang="ko-KR" altLang="en-US"/>
+              <a:t>권대호 코드</a:t>
+            </a:r>
+            <a:r>
+              <a:rPr lang="en-US" altLang="ko-KR"/>
+              <a:t> Sample</a:t>
+            </a:r>
+            <a:endParaRPr lang="en-US" altLang="ko-KR"/>
+          </a:p>
+        </p:txBody>
+      </p:sp>
+      <p:sp>
+        <p:nvSpPr>
+          <p:cNvPr id="3" name=""/>
+          <p:cNvSpPr>
+            <a:spLocks noGrp="1"/>
+          </p:cNvSpPr>
+          <p:nvPr>
+            <p:ph idx="1"/>
+          </p:nvPr>
+        </p:nvSpPr>
+        <p:spPr/>
+        <p:txBody>
+          <a:bodyPr/>
+          <a:lstStyle/>
+          <a:p>
+            <a:pPr>
+              <a:defRPr/>
+            </a:pPr>
+            <a:r>
+              <a:rPr lang="ko-KR" altLang="en-US"/>
+              <a:t/>
+            </a:r>
+            <a:endParaRPr lang="ko-KR" altLang="en-US"/>
+          </a:p>
+        </p:txBody>
+      </p:sp>
+    </p:spTree>
+  </p:cSld>
+  <p:clrMapOvr>
+    <a:masterClrMapping/>
+  </p:clrMapOvr>
+  <mc:AlternateContent xmlns:mc="http://schemas.openxmlformats.org/markup-compatibility/2006">
+    <mc:Choice xmlns:p14="http://schemas.microsoft.com/office/powerpoint/2010/main" Requires="p14">
+      <p:transition xmlns:mc="http://schemas.openxmlformats.org/markup-compatibility/2006" xmlns:p14="http://schemas.microsoft.com/office/powerpoint/2010/main" mc:Ignorable="p14" p14:dur="500"/>
+    </mc:Choice>
+    <mc:Fallback>
+      <p:transition/>
+    </mc:Fallback>
+  </mc:AlternateContent>
+</p:sld>
+</file>
+
 <file path=ppt/slides/slide2.xml><?xml version="1.0" encoding="utf-8"?>
 <p:sld xmlns:r="http://schemas.openxmlformats.org/officeDocument/2006/relationships" xmlns:c="http://schemas.openxmlformats.org/drawingml/2006/chart" xmlns:a="http://schemas.openxmlformats.org/drawingml/2006/main" xmlns:dgm="http://schemas.openxmlformats.org/drawingml/2006/diagram" xmlns:dsp="http://schemas.microsoft.com/office/drawing/2008/diagram" xmlns:p="http://schemas.openxmlformats.org/presentationml/2006/main">
   <p:cSld>
@@ -12608,6 +13830,723 @@
               <a:ea typeface="+mn-ea"/>
               <a:cs typeface="+mn-cs"/>
             </a:endParaRPr>
+          </a:p>
+        </p:txBody>
+      </p:sp>
+    </p:spTree>
+  </p:cSld>
+  <p:clrMapOvr>
+    <a:masterClrMapping/>
+  </p:clrMapOvr>
+  <mc:AlternateContent xmlns:mc="http://schemas.openxmlformats.org/markup-compatibility/2006">
+    <mc:Choice xmlns:p14="http://schemas.microsoft.com/office/powerpoint/2010/main" Requires="p14">
+      <p:transition xmlns:mc="http://schemas.openxmlformats.org/markup-compatibility/2006" xmlns:p14="http://schemas.microsoft.com/office/powerpoint/2010/main" mc:Ignorable="p14" p14:dur="500"/>
+    </mc:Choice>
+    <mc:Fallback>
+      <p:transition/>
+    </mc:Fallback>
+  </mc:AlternateContent>
+</p:sld>
+</file>
+
+<file path=ppt/slides/slide20.xml><?xml version="1.0" encoding="utf-8"?>
+<p:sld xmlns:r="http://schemas.openxmlformats.org/officeDocument/2006/relationships" xmlns:c="http://schemas.openxmlformats.org/drawingml/2006/chart" xmlns:a="http://schemas.openxmlformats.org/drawingml/2006/main" xmlns:dgm="http://schemas.openxmlformats.org/drawingml/2006/diagram" xmlns:dsp="http://schemas.microsoft.com/office/drawing/2008/diagram" xmlns:p="http://schemas.openxmlformats.org/presentationml/2006/main">
+  <p:cSld>
+    <p:spTree>
+      <p:nvGrpSpPr>
+        <p:cNvPr id="1" name=""/>
+        <p:cNvGrpSpPr/>
+        <p:nvPr/>
+      </p:nvGrpSpPr>
+      <p:grpSpPr>
+        <a:xfrm>
+          <a:off x="0" y="0"/>
+          <a:ext cx="0" cy="0"/>
+          <a:chOff x="0" y="0"/>
+          <a:chExt cx="0" cy="0"/>
+        </a:xfrm>
+      </p:grpSpPr>
+      <p:sp>
+        <p:nvSpPr>
+          <p:cNvPr id="2" name=""/>
+          <p:cNvSpPr>
+            <a:spLocks noGrp="1"/>
+          </p:cNvSpPr>
+          <p:nvPr>
+            <p:ph type="title" idx="0"/>
+          </p:nvPr>
+        </p:nvSpPr>
+        <p:spPr/>
+        <p:txBody>
+          <a:bodyPr/>
+          <a:lstStyle/>
+          <a:p>
+            <a:pPr>
+              <a:defRPr/>
+            </a:pPr>
+            <a:r>
+              <a:rPr lang="ko-KR" altLang="en-US"/>
+              <a:t>정다올 구현 화면</a:t>
+            </a:r>
+            <a:r>
+              <a:rPr lang="en-US" altLang="ko-KR"/>
+              <a:t> Sample</a:t>
+            </a:r>
+            <a:endParaRPr lang="en-US" altLang="ko-KR"/>
+          </a:p>
+        </p:txBody>
+      </p:sp>
+      <p:sp>
+        <p:nvSpPr>
+          <p:cNvPr id="3" name=""/>
+          <p:cNvSpPr>
+            <a:spLocks noGrp="1"/>
+          </p:cNvSpPr>
+          <p:nvPr>
+            <p:ph idx="1"/>
+          </p:nvPr>
+        </p:nvSpPr>
+        <p:spPr/>
+        <p:txBody>
+          <a:bodyPr/>
+          <a:lstStyle/>
+          <a:p>
+            <a:pPr>
+              <a:defRPr/>
+            </a:pPr>
+            <a:r>
+              <a:rPr lang="ko-KR" altLang="en-US"/>
+              <a:t/>
+            </a:r>
+            <a:endParaRPr lang="ko-KR" altLang="en-US"/>
+          </a:p>
+        </p:txBody>
+      </p:sp>
+    </p:spTree>
+  </p:cSld>
+  <p:clrMapOvr>
+    <a:masterClrMapping/>
+  </p:clrMapOvr>
+  <mc:AlternateContent xmlns:mc="http://schemas.openxmlformats.org/markup-compatibility/2006">
+    <mc:Choice xmlns:p14="http://schemas.microsoft.com/office/powerpoint/2010/main" Requires="p14">
+      <p:transition xmlns:mc="http://schemas.openxmlformats.org/markup-compatibility/2006" xmlns:p14="http://schemas.microsoft.com/office/powerpoint/2010/main" mc:Ignorable="p14" p14:dur="500"/>
+    </mc:Choice>
+    <mc:Fallback>
+      <p:transition/>
+    </mc:Fallback>
+  </mc:AlternateContent>
+</p:sld>
+</file>
+
+<file path=ppt/slides/slide21.xml><?xml version="1.0" encoding="utf-8"?>
+<p:sld xmlns:r="http://schemas.openxmlformats.org/officeDocument/2006/relationships" xmlns:c="http://schemas.openxmlformats.org/drawingml/2006/chart" xmlns:a="http://schemas.openxmlformats.org/drawingml/2006/main" xmlns:dgm="http://schemas.openxmlformats.org/drawingml/2006/diagram" xmlns:dsp="http://schemas.microsoft.com/office/drawing/2008/diagram" xmlns:p="http://schemas.openxmlformats.org/presentationml/2006/main">
+  <p:cSld>
+    <p:spTree>
+      <p:nvGrpSpPr>
+        <p:cNvPr id="1" name=""/>
+        <p:cNvGrpSpPr/>
+        <p:nvPr/>
+      </p:nvGrpSpPr>
+      <p:grpSpPr>
+        <a:xfrm>
+          <a:off x="0" y="0"/>
+          <a:ext cx="0" cy="0"/>
+          <a:chOff x="0" y="0"/>
+          <a:chExt cx="0" cy="0"/>
+        </a:xfrm>
+      </p:grpSpPr>
+      <p:sp>
+        <p:nvSpPr>
+          <p:cNvPr id="2" name=""/>
+          <p:cNvSpPr>
+            <a:spLocks noGrp="1"/>
+          </p:cNvSpPr>
+          <p:nvPr>
+            <p:ph type="title" idx="0"/>
+          </p:nvPr>
+        </p:nvSpPr>
+        <p:spPr/>
+        <p:txBody>
+          <a:bodyPr/>
+          <a:lstStyle/>
+          <a:p>
+            <a:pPr>
+              <a:defRPr/>
+            </a:pPr>
+            <a:r>
+              <a:rPr lang="ko-KR" altLang="en-US"/>
+              <a:t>정다올 코드 </a:t>
+            </a:r>
+            <a:r>
+              <a:rPr lang="en-US" altLang="ko-KR"/>
+              <a:t>Sample</a:t>
+            </a:r>
+            <a:endParaRPr lang="en-US" altLang="ko-KR"/>
+          </a:p>
+        </p:txBody>
+      </p:sp>
+      <p:sp>
+        <p:nvSpPr>
+          <p:cNvPr id="3" name=""/>
+          <p:cNvSpPr>
+            <a:spLocks noGrp="1"/>
+          </p:cNvSpPr>
+          <p:nvPr>
+            <p:ph idx="1"/>
+          </p:nvPr>
+        </p:nvSpPr>
+        <p:spPr/>
+        <p:txBody>
+          <a:bodyPr/>
+          <a:lstStyle/>
+          <a:p>
+            <a:pPr>
+              <a:defRPr/>
+            </a:pPr>
+            <a:r>
+              <a:rPr lang="ko-KR" altLang="en-US"/>
+              <a:t/>
+            </a:r>
+            <a:endParaRPr lang="ko-KR" altLang="en-US"/>
+          </a:p>
+        </p:txBody>
+      </p:sp>
+    </p:spTree>
+  </p:cSld>
+  <p:clrMapOvr>
+    <a:masterClrMapping/>
+  </p:clrMapOvr>
+  <mc:AlternateContent xmlns:mc="http://schemas.openxmlformats.org/markup-compatibility/2006">
+    <mc:Choice xmlns:p14="http://schemas.microsoft.com/office/powerpoint/2010/main" Requires="p14">
+      <p:transition xmlns:mc="http://schemas.openxmlformats.org/markup-compatibility/2006" xmlns:p14="http://schemas.microsoft.com/office/powerpoint/2010/main" mc:Ignorable="p14" p14:dur="500"/>
+    </mc:Choice>
+    <mc:Fallback>
+      <p:transition/>
+    </mc:Fallback>
+  </mc:AlternateContent>
+</p:sld>
+</file>
+
+<file path=ppt/slides/slide22.xml><?xml version="1.0" encoding="utf-8"?>
+<p:sld xmlns:r="http://schemas.openxmlformats.org/officeDocument/2006/relationships" xmlns:c="http://schemas.openxmlformats.org/drawingml/2006/chart" xmlns:a="http://schemas.openxmlformats.org/drawingml/2006/main" xmlns:dgm="http://schemas.openxmlformats.org/drawingml/2006/diagram" xmlns:dsp="http://schemas.microsoft.com/office/drawing/2008/diagram" xmlns:p="http://schemas.openxmlformats.org/presentationml/2006/main">
+  <p:cSld>
+    <p:spTree>
+      <p:nvGrpSpPr>
+        <p:cNvPr id="1" name=""/>
+        <p:cNvGrpSpPr/>
+        <p:nvPr/>
+      </p:nvGrpSpPr>
+      <p:grpSpPr>
+        <a:xfrm>
+          <a:off x="0" y="0"/>
+          <a:ext cx="0" cy="0"/>
+          <a:chOff x="0" y="0"/>
+          <a:chExt cx="0" cy="0"/>
+        </a:xfrm>
+      </p:grpSpPr>
+      <p:sp>
+        <p:nvSpPr>
+          <p:cNvPr id="2" name=""/>
+          <p:cNvSpPr>
+            <a:spLocks noGrp="1"/>
+          </p:cNvSpPr>
+          <p:nvPr>
+            <p:ph type="title" idx="0"/>
+          </p:nvPr>
+        </p:nvSpPr>
+        <p:spPr/>
+        <p:txBody>
+          <a:bodyPr/>
+          <a:lstStyle/>
+          <a:p>
+            <a:pPr>
+              <a:defRPr/>
+            </a:pPr>
+            <a:r>
+              <a:rPr lang="ko-KR" altLang="en-US"/>
+              <a:t>후기</a:t>
+            </a:r>
+            <a:endParaRPr lang="ko-KR" altLang="en-US"/>
+          </a:p>
+        </p:txBody>
+      </p:sp>
+      <p:sp>
+        <p:nvSpPr>
+          <p:cNvPr id="3" name=""/>
+          <p:cNvSpPr>
+            <a:spLocks noGrp="1"/>
+          </p:cNvSpPr>
+          <p:nvPr>
+            <p:ph sz="quarter" idx="13"/>
+          </p:nvPr>
+        </p:nvSpPr>
+        <p:spPr/>
+        <p:txBody>
+          <a:bodyPr/>
+          <a:lstStyle/>
+          <a:p>
+            <a:pPr>
+              <a:defRPr/>
+            </a:pPr>
+            <a:r>
+              <a:rPr lang="ko-KR" altLang="en-US"/>
+              <a:t>권대호</a:t>
+            </a:r>
+            <a:endParaRPr lang="ko-KR" altLang="en-US"/>
+          </a:p>
+          <a:p>
+            <a:pPr>
+              <a:defRPr/>
+            </a:pPr>
+            <a:endParaRPr lang="ko-KR" altLang="en-US"/>
+          </a:p>
+          <a:p>
+            <a:pPr>
+              <a:defRPr/>
+            </a:pPr>
+            <a:endParaRPr lang="ko-KR" altLang="en-US"/>
+          </a:p>
+          <a:p>
+            <a:pPr>
+              <a:defRPr/>
+            </a:pPr>
+            <a:r>
+              <a:rPr lang="ko-KR" altLang="en-US" sz="2000"/>
+              <a:t>2차 프로젝트를 진행하면서 제 부족한 점을 많이 깨달을 수 있는 시간이었습니다. 1차 프로젝트 이후 저의 실력에 대해 느꼈지만, 이를 개선하기 위해 충분히 노력하지 않았습니다. 3차 프로젝트에서는 팀장과 팀원들의 의견에 귀 기울이며, 적극적으로 협력하고 팀의 목표를 위해 최선을 다하겠습니다. 이번 프로젝트를 통해 배운 점을 바탕으로 더 나은 팀원이 되도록 노력하겠습니다.</a:t>
+            </a:r>
+            <a:endParaRPr lang="ko-KR" altLang="en-US" sz="2000"/>
+          </a:p>
+        </p:txBody>
+      </p:sp>
+      <p:sp>
+        <p:nvSpPr>
+          <p:cNvPr id="4" name=""/>
+          <p:cNvSpPr>
+            <a:spLocks noGrp="1"/>
+          </p:cNvSpPr>
+          <p:nvPr>
+            <p:ph sz="quarter" idx="14"/>
+          </p:nvPr>
+        </p:nvSpPr>
+        <p:spPr/>
+        <p:txBody>
+          <a:bodyPr/>
+          <a:lstStyle/>
+          <a:p>
+            <a:pPr>
+              <a:defRPr/>
+            </a:pPr>
+            <a:r>
+              <a:rPr lang="ko-KR" altLang="en-US"/>
+              <a:t>정다올 후기</a:t>
+            </a:r>
+            <a:endParaRPr lang="ko-KR" altLang="en-US" sz="1700"/>
+          </a:p>
+          <a:p>
+            <a:pPr>
+              <a:defRPr/>
+            </a:pPr>
+            <a:endParaRPr lang="ko-KR" altLang="en-US" sz="1700"/>
+          </a:p>
+          <a:p>
+            <a:pPr>
+              <a:defRPr/>
+            </a:pPr>
+            <a:r>
+              <a:rPr lang="ko-KR" altLang="en-US" sz="1700"/>
+              <a:t>느낀점</a:t>
+            </a:r>
+            <a:endParaRPr lang="ko-KR" altLang="en-US" sz="1700"/>
+          </a:p>
+          <a:p>
+            <a:pPr>
+              <a:defRPr/>
+            </a:pPr>
+            <a:r>
+              <a:rPr lang="ko-KR" altLang="en-US" sz="1700"/>
+              <a:t>1차때와 마찬가지로 개발자의 프로젝트란걸 제대로 느끼게 되었고 시간 분배의 중요성, 팀원들간의 소통이 중요하다는걸 알았습니다.</a:t>
+            </a:r>
+            <a:endParaRPr lang="ko-KR" altLang="en-US" sz="1700"/>
+          </a:p>
+          <a:p>
+            <a:pPr>
+              <a:defRPr/>
+            </a:pPr>
+            <a:r>
+              <a:rPr lang="ko-KR" altLang="en-US" sz="1700"/>
+              <a:t>좋았던 점</a:t>
+            </a:r>
+            <a:endParaRPr lang="ko-KR" altLang="en-US" sz="1700"/>
+          </a:p>
+          <a:p>
+            <a:pPr>
+              <a:defRPr/>
+            </a:pPr>
+            <a:r>
+              <a:rPr lang="ko-KR" altLang="en-US" sz="1700"/>
+              <a:t>흉내만 내던 페이지 기능들을 제대로 구현 해 볼수 있는 기회가 생겨 좋았습니다</a:t>
+            </a:r>
+            <a:endParaRPr lang="ko-KR" altLang="en-US" sz="1700"/>
+          </a:p>
+          <a:p>
+            <a:pPr>
+              <a:defRPr/>
+            </a:pPr>
+            <a:r>
+              <a:rPr lang="ko-KR" altLang="en-US" sz="1700"/>
+              <a:t>어려웠던 점</a:t>
+            </a:r>
+            <a:endParaRPr lang="ko-KR" altLang="en-US" sz="1700"/>
+          </a:p>
+          <a:p>
+            <a:pPr>
+              <a:defRPr/>
+            </a:pPr>
+            <a:r>
+              <a:rPr lang="ko-KR" altLang="en-US" sz="1700"/>
+              <a:t>서블릿에 대해 이해를 하지 못해 코딩에 진척이 없었으나 중반부부터 이해하여 초반에 하지 못한만큼 시간과 노력을 더 투자하여 따라갈 수 있게 하였습니다.</a:t>
+            </a:r>
+            <a:endParaRPr lang="ko-KR" altLang="en-US" sz="1700"/>
+          </a:p>
+          <a:p>
+            <a:pPr>
+              <a:defRPr/>
+            </a:pPr>
+            <a:r>
+              <a:rPr lang="ko-KR" altLang="en-US" sz="1700"/>
+              <a:t>얻은 것</a:t>
+            </a:r>
+            <a:endParaRPr lang="ko-KR" altLang="en-US" sz="1700"/>
+          </a:p>
+          <a:p>
+            <a:pPr>
+              <a:defRPr/>
+            </a:pPr>
+            <a:r>
+              <a:rPr lang="ko-KR" altLang="en-US" sz="1700"/>
+              <a:t>서블릿에 대한 이해도, 앞서 말씀 드렸던 시간 분배의 중요성 및 분배 방법 등을 습득 하게 되었습니다.</a:t>
+            </a:r>
+            <a:endParaRPr lang="ko-KR" altLang="en-US" sz="1700"/>
+          </a:p>
+        </p:txBody>
+      </p:sp>
+    </p:spTree>
+  </p:cSld>
+  <p:clrMapOvr>
+    <a:masterClrMapping/>
+  </p:clrMapOvr>
+  <mc:AlternateContent xmlns:mc="http://schemas.openxmlformats.org/markup-compatibility/2006">
+    <mc:Choice xmlns:p14="http://schemas.microsoft.com/office/powerpoint/2010/main" Requires="p14">
+      <p:transition xmlns:mc="http://schemas.openxmlformats.org/markup-compatibility/2006" xmlns:p14="http://schemas.microsoft.com/office/powerpoint/2010/main" mc:Ignorable="p14" p14:dur="500"/>
+    </mc:Choice>
+    <mc:Fallback>
+      <p:transition/>
+    </mc:Fallback>
+  </mc:AlternateContent>
+</p:sld>
+</file>
+
+<file path=ppt/slides/slide23.xml><?xml version="1.0" encoding="utf-8"?>
+<p:sld xmlns:r="http://schemas.openxmlformats.org/officeDocument/2006/relationships" xmlns:c="http://schemas.openxmlformats.org/drawingml/2006/chart" xmlns:a="http://schemas.openxmlformats.org/drawingml/2006/main" xmlns:dgm="http://schemas.openxmlformats.org/drawingml/2006/diagram" xmlns:dsp="http://schemas.microsoft.com/office/drawing/2008/diagram" xmlns:p="http://schemas.openxmlformats.org/presentationml/2006/main">
+  <p:cSld>
+    <p:spTree>
+      <p:nvGrpSpPr>
+        <p:cNvPr id="1" name=""/>
+        <p:cNvGrpSpPr/>
+        <p:nvPr/>
+      </p:nvGrpSpPr>
+      <p:grpSpPr>
+        <a:xfrm>
+          <a:off x="0" y="0"/>
+          <a:ext cx="0" cy="0"/>
+          <a:chOff x="0" y="0"/>
+          <a:chExt cx="0" cy="0"/>
+        </a:xfrm>
+      </p:grpSpPr>
+      <p:sp>
+        <p:nvSpPr>
+          <p:cNvPr id="2" name=""/>
+          <p:cNvSpPr>
+            <a:spLocks noGrp="1"/>
+          </p:cNvSpPr>
+          <p:nvPr>
+            <p:ph type="title" idx="0"/>
+          </p:nvPr>
+        </p:nvSpPr>
+        <p:spPr/>
+        <p:txBody>
+          <a:bodyPr/>
+          <a:lstStyle/>
+          <a:p>
+            <a:pPr>
+              <a:defRPr/>
+            </a:pPr>
+            <a:r>
+              <a:rPr lang="ko-KR" altLang="en-US"/>
+              <a:t>후기</a:t>
+            </a:r>
+            <a:endParaRPr lang="ko-KR" altLang="en-US"/>
+          </a:p>
+        </p:txBody>
+      </p:sp>
+      <p:sp>
+        <p:nvSpPr>
+          <p:cNvPr id="3" name=""/>
+          <p:cNvSpPr>
+            <a:spLocks noGrp="1"/>
+          </p:cNvSpPr>
+          <p:nvPr>
+            <p:ph sz="quarter" idx="13"/>
+          </p:nvPr>
+        </p:nvSpPr>
+        <p:spPr/>
+        <p:txBody>
+          <a:bodyPr/>
+          <a:lstStyle/>
+          <a:p>
+            <a:pPr>
+              <a:defRPr/>
+            </a:pPr>
+            <a:r>
+              <a:rPr lang="ko-KR" altLang="en-US"/>
+              <a:t>김소원</a:t>
+            </a:r>
+            <a:endParaRPr lang="ko-KR" altLang="en-US"/>
+          </a:p>
+          <a:p>
+            <a:pPr>
+              <a:defRPr/>
+            </a:pPr>
+            <a:endParaRPr lang="ko-KR" altLang="en-US"/>
+          </a:p>
+          <a:p>
+            <a:pPr>
+              <a:defRPr/>
+            </a:pPr>
+            <a:r>
+              <a:rPr lang="ko-KR" altLang="en-US"/>
+              <a:t>모달을 처음 구현 해보는거여서 팀장님과 팀원들의 도움으로 이번에 알게 되어 성장을 한 기분이 들었습니다. 아직 제가 많이 부족하여 팀장님과 팀원들께 큰 도움은 못줘서 너무 죄송한 마음이 컸는데 다행이도 팀장님과 팀원들이 그런 저에게 먼저 다가와 더움을 주시고 할 수 있다는 용기를 주셔서 해 낼 수 있게 되었습니다. </a:t>
+            </a:r>
+            <a:endParaRPr lang="ko-KR" altLang="en-US"/>
+          </a:p>
+        </p:txBody>
+      </p:sp>
+      <p:sp>
+        <p:nvSpPr>
+          <p:cNvPr id="4" name=""/>
+          <p:cNvSpPr>
+            <a:spLocks noGrp="1"/>
+          </p:cNvSpPr>
+          <p:nvPr>
+            <p:ph sz="quarter" idx="14"/>
+          </p:nvPr>
+        </p:nvSpPr>
+        <p:spPr/>
+        <p:txBody>
+          <a:bodyPr/>
+          <a:lstStyle/>
+          <a:p>
+            <a:pPr>
+              <a:defRPr/>
+            </a:pPr>
+            <a:r>
+              <a:rPr lang="ko-KR" altLang="en-US"/>
+              <a:t>김진홍</a:t>
+            </a:r>
+            <a:endParaRPr lang="ko-KR" altLang="en-US"/>
+          </a:p>
+          <a:p>
+            <a:pPr>
+              <a:defRPr/>
+            </a:pPr>
+            <a:endParaRPr lang="ko-KR" altLang="en-US"/>
+          </a:p>
+          <a:p>
+            <a:pPr>
+              <a:defRPr/>
+            </a:pPr>
+            <a:r>
+              <a:rPr lang="ko-KR" altLang="en-US" sz="2200"/>
+              <a:t>프로젝트에 뒤늦게 합류하면서 처음에는 적응하는 데 어려움이 있었지만, 팀원들의 도움 덕분에 점차 나아갈 수 있었습니다. 특히 프론트엔드와 백엔드를 연결하는 과정을 통해 웹 개발에 대한 이해도가 크게 향상되었습니다. 처음에는 각 부분이 어떻게 연결되는지 혼란스러웠지만, 팀원들과 협력하며 하나씩 해결해 나가면서 웹 애플리케이션의 구조와 흐름을 더 잘 이해하게 되었습니다. 덕분에 웹 개발에 대한 자신감도 많이 생기게 되었고, 팀의 일원으로서 기여할 수 있다는 점이 매우 뿌듯했습니다.</a:t>
+            </a:r>
+            <a:endParaRPr lang="ko-KR" altLang="en-US"/>
+          </a:p>
+          <a:p>
+            <a:pPr>
+              <a:defRPr/>
+            </a:pPr>
+            <a:endParaRPr lang="ko-KR" altLang="en-US"/>
+          </a:p>
+          <a:p>
+            <a:pPr>
+              <a:defRPr/>
+            </a:pPr>
+            <a:endParaRPr lang="ko-KR" altLang="en-US"/>
+          </a:p>
+        </p:txBody>
+      </p:sp>
+    </p:spTree>
+  </p:cSld>
+  <p:clrMapOvr>
+    <a:masterClrMapping/>
+  </p:clrMapOvr>
+  <mc:AlternateContent xmlns:mc="http://schemas.openxmlformats.org/markup-compatibility/2006">
+    <mc:Choice xmlns:p14="http://schemas.microsoft.com/office/powerpoint/2010/main" Requires="p14">
+      <p:transition xmlns:mc="http://schemas.openxmlformats.org/markup-compatibility/2006" xmlns:p14="http://schemas.microsoft.com/office/powerpoint/2010/main" mc:Ignorable="p14" p14:dur="500"/>
+    </mc:Choice>
+    <mc:Fallback>
+      <p:transition/>
+    </mc:Fallback>
+  </mc:AlternateContent>
+</p:sld>
+</file>
+
+<file path=ppt/slides/slide24.xml><?xml version="1.0" encoding="utf-8"?>
+<p:sld xmlns:r="http://schemas.openxmlformats.org/officeDocument/2006/relationships" xmlns:c="http://schemas.openxmlformats.org/drawingml/2006/chart" xmlns:a="http://schemas.openxmlformats.org/drawingml/2006/main" xmlns:dgm="http://schemas.openxmlformats.org/drawingml/2006/diagram" xmlns:dsp="http://schemas.microsoft.com/office/drawing/2008/diagram" xmlns:p="http://schemas.openxmlformats.org/presentationml/2006/main">
+  <p:cSld>
+    <p:spTree>
+      <p:nvGrpSpPr>
+        <p:cNvPr id="1" name=""/>
+        <p:cNvGrpSpPr/>
+        <p:nvPr/>
+      </p:nvGrpSpPr>
+      <p:grpSpPr>
+        <a:xfrm>
+          <a:off x="0" y="0"/>
+          <a:ext cx="0" cy="0"/>
+          <a:chOff x="0" y="0"/>
+          <a:chExt cx="0" cy="0"/>
+        </a:xfrm>
+      </p:grpSpPr>
+      <p:sp>
+        <p:nvSpPr>
+          <p:cNvPr id="2" name=""/>
+          <p:cNvSpPr>
+            <a:spLocks noGrp="1"/>
+          </p:cNvSpPr>
+          <p:nvPr>
+            <p:ph type="title" idx="0"/>
+          </p:nvPr>
+        </p:nvSpPr>
+        <p:spPr/>
+        <p:txBody>
+          <a:bodyPr/>
+          <a:lstStyle/>
+          <a:p>
+            <a:pPr>
+              <a:defRPr/>
+            </a:pPr>
+            <a:r>
+              <a:rPr lang="ko-KR" altLang="en-US"/>
+              <a:t>후기</a:t>
+            </a:r>
+            <a:endParaRPr lang="ko-KR" altLang="en-US"/>
+          </a:p>
+        </p:txBody>
+      </p:sp>
+      <p:sp>
+        <p:nvSpPr>
+          <p:cNvPr id="3" name=""/>
+          <p:cNvSpPr>
+            <a:spLocks noGrp="1"/>
+          </p:cNvSpPr>
+          <p:nvPr>
+            <p:ph idx="1"/>
+          </p:nvPr>
+        </p:nvSpPr>
+        <p:spPr/>
+        <p:txBody>
+          <a:bodyPr/>
+          <a:lstStyle/>
+          <a:p>
+            <a:pPr>
+              <a:defRPr/>
+            </a:pPr>
+            <a:r>
+              <a:rPr lang="ko-KR" altLang="en-US"/>
+              <a:t>정근승</a:t>
+            </a:r>
+            <a:endParaRPr lang="ko-KR" altLang="en-US"/>
+          </a:p>
+          <a:p>
+            <a:pPr>
+              <a:defRPr/>
+            </a:pPr>
+            <a:endParaRPr lang="ko-KR" altLang="en-US"/>
+          </a:p>
+          <a:p>
+            <a:pPr>
+              <a:defRPr/>
+            </a:pPr>
+            <a:r>
+              <a:rPr lang="ko-KR" altLang="en-US"/>
+              <a:t>JSP와 Servlet을 사용해 HTML을 구현하는 과정이 쉽지 않았습니다. 처음에는 여러 파일을 세분화하지 않고 작업을 하다 보니 오류를 찾는 데 어려움을 겪었지만, DTO, DAO, Controller, Service 등으로 나누어 관리하면서 디버깅이 훨씬 수월해졌습니다. Controller에서 값을 설정해 JSP로 보내면 EL 태그로 데이터를 가져오는 과정에서 forEach를 사용해 값을 꺼내는 부분이 특히 헷갈렸습니다. 이를 해결하기 위해 선생님께 질문도 하고, 구글링을 통해 정보를 찾아보며 많은 복습을 했습니다. 이런 과정을 통해 조금씩 문제를 해결할 수 있었고, 큰 도움이 되었습니다.</a:t>
+            </a:r>
+            <a:endParaRPr lang="ko-KR" altLang="en-US"/>
+          </a:p>
+        </p:txBody>
+      </p:sp>
+    </p:spTree>
+  </p:cSld>
+  <p:clrMapOvr>
+    <a:masterClrMapping/>
+  </p:clrMapOvr>
+  <mc:AlternateContent xmlns:mc="http://schemas.openxmlformats.org/markup-compatibility/2006">
+    <mc:Choice xmlns:p14="http://schemas.microsoft.com/office/powerpoint/2010/main" Requires="p14">
+      <p:transition xmlns:mc="http://schemas.openxmlformats.org/markup-compatibility/2006" xmlns:p14="http://schemas.microsoft.com/office/powerpoint/2010/main" mc:Ignorable="p14" p14:dur="500"/>
+    </mc:Choice>
+    <mc:Fallback>
+      <p:transition/>
+    </mc:Fallback>
+  </mc:AlternateContent>
+</p:sld>
+</file>
+
+<file path=ppt/slides/slide25.xml><?xml version="1.0" encoding="utf-8"?>
+<p:sld xmlns:r="http://schemas.openxmlformats.org/officeDocument/2006/relationships" xmlns:c="http://schemas.openxmlformats.org/drawingml/2006/chart" xmlns:a="http://schemas.openxmlformats.org/drawingml/2006/main" xmlns:dgm="http://schemas.openxmlformats.org/drawingml/2006/diagram" xmlns:dsp="http://schemas.microsoft.com/office/drawing/2008/diagram" xmlns:p="http://schemas.openxmlformats.org/presentationml/2006/main">
+  <p:cSld>
+    <p:spTree>
+      <p:nvGrpSpPr>
+        <p:cNvPr id="1" name=""/>
+        <p:cNvGrpSpPr/>
+        <p:nvPr/>
+      </p:nvGrpSpPr>
+      <p:grpSpPr>
+        <a:xfrm>
+          <a:off x="0" y="0"/>
+          <a:ext cx="0" cy="0"/>
+          <a:chOff x="0" y="0"/>
+          <a:chExt cx="0" cy="0"/>
+        </a:xfrm>
+      </p:grpSpPr>
+      <p:sp>
+        <p:nvSpPr>
+          <p:cNvPr id="2" name=""/>
+          <p:cNvSpPr txBox="1"/>
+          <p:nvPr/>
+        </p:nvSpPr>
+        <p:spPr>
+          <a:xfrm>
+            <a:off x="695325" y="2806065"/>
+            <a:ext cx="11809476" cy="1249680"/>
+          </a:xfrm>
+          <a:prstGeom prst="rect">
+            <a:avLst/>
+          </a:prstGeom>
+        </p:spPr>
+        <p:txBody>
+          <a:bodyPr wrap="square">
+            <a:spAutoFit/>
+          </a:bodyPr>
+          <a:p>
+            <a:pPr>
+              <a:defRPr/>
+            </a:pPr>
+            <a:r>
+              <a:rPr lang="en-US" altLang="ko-KR" sz="7600"/>
+              <a:t>Thank you for Watching!</a:t>
+            </a:r>
+            <a:endParaRPr lang="en-US" altLang="ko-KR" sz="7600"/>
           </a:p>
         </p:txBody>
       </p:sp>
@@ -14137,6 +16076,174 @@
 </p:sld>
 </file>
 
+<file path=ppt/slides/slide8.xml><?xml version="1.0" encoding="utf-8"?>
+<p:sld xmlns:r="http://schemas.openxmlformats.org/officeDocument/2006/relationships" xmlns:c="http://schemas.openxmlformats.org/drawingml/2006/chart" xmlns:a="http://schemas.openxmlformats.org/drawingml/2006/main" xmlns:dgm="http://schemas.openxmlformats.org/drawingml/2006/diagram" xmlns:dsp="http://schemas.microsoft.com/office/drawing/2008/diagram" xmlns:p="http://schemas.openxmlformats.org/presentationml/2006/main">
+  <p:cSld>
+    <p:spTree>
+      <p:nvGrpSpPr>
+        <p:cNvPr id="1" name=""/>
+        <p:cNvGrpSpPr/>
+        <p:nvPr/>
+      </p:nvGrpSpPr>
+      <p:grpSpPr>
+        <a:xfrm>
+          <a:off x="0" y="0"/>
+          <a:ext cx="0" cy="0"/>
+          <a:chOff x="0" y="0"/>
+          <a:chExt cx="0" cy="0"/>
+        </a:xfrm>
+      </p:grpSpPr>
+      <p:sp>
+        <p:nvSpPr>
+          <p:cNvPr id="2" name=""/>
+          <p:cNvSpPr>
+            <a:spLocks noGrp="1"/>
+          </p:cNvSpPr>
+          <p:nvPr>
+            <p:ph type="title" idx="0"/>
+          </p:nvPr>
+        </p:nvSpPr>
+        <p:spPr/>
+        <p:txBody>
+          <a:bodyPr/>
+          <a:lstStyle/>
+          <a:p>
+            <a:pPr>
+              <a:defRPr/>
+            </a:pPr>
+            <a:r>
+              <a:rPr lang="ko-KR" altLang="en-US"/>
+              <a:t>형상관리 기록</a:t>
+            </a:r>
+            <a:endParaRPr lang="ko-KR" altLang="en-US"/>
+          </a:p>
+        </p:txBody>
+      </p:sp>
+      <p:pic>
+        <p:nvPicPr>
+          <p:cNvPr id="4" name=""/>
+          <p:cNvPicPr>
+            <a:picLocks noChangeAspect="1"/>
+          </p:cNvPicPr>
+          <p:nvPr/>
+        </p:nvPicPr>
+        <p:blipFill rotWithShape="1">
+          <a:blip r:embed="rId2"/>
+          <a:stretch>
+            <a:fillRect/>
+          </a:stretch>
+        </p:blipFill>
+        <p:spPr>
+          <a:xfrm>
+            <a:off x="442693" y="1467612"/>
+            <a:ext cx="11139703" cy="4481703"/>
+          </a:xfrm>
+          <a:prstGeom prst="rect">
+            <a:avLst/>
+          </a:prstGeom>
+        </p:spPr>
+      </p:pic>
+    </p:spTree>
+  </p:cSld>
+  <p:clrMapOvr>
+    <a:masterClrMapping/>
+  </p:clrMapOvr>
+  <mc:AlternateContent xmlns:mc="http://schemas.openxmlformats.org/markup-compatibility/2006">
+    <mc:Choice xmlns:p14="http://schemas.microsoft.com/office/powerpoint/2010/main" Requires="p14">
+      <p:transition xmlns:mc="http://schemas.openxmlformats.org/markup-compatibility/2006" xmlns:p14="http://schemas.microsoft.com/office/powerpoint/2010/main" mc:Ignorable="p14" p14:dur="500"/>
+    </mc:Choice>
+    <mc:Fallback>
+      <p:transition/>
+    </mc:Fallback>
+  </mc:AlternateContent>
+</p:sld>
+</file>
+
+<file path=ppt/slides/slide9.xml><?xml version="1.0" encoding="utf-8"?>
+<p:sld xmlns:r="http://schemas.openxmlformats.org/officeDocument/2006/relationships" xmlns:c="http://schemas.openxmlformats.org/drawingml/2006/chart" xmlns:a="http://schemas.openxmlformats.org/drawingml/2006/main" xmlns:dgm="http://schemas.openxmlformats.org/drawingml/2006/diagram" xmlns:dsp="http://schemas.microsoft.com/office/drawing/2008/diagram" xmlns:p="http://schemas.openxmlformats.org/presentationml/2006/main">
+  <p:cSld>
+    <p:spTree>
+      <p:nvGrpSpPr>
+        <p:cNvPr id="1" name=""/>
+        <p:cNvGrpSpPr/>
+        <p:nvPr/>
+      </p:nvGrpSpPr>
+      <p:grpSpPr>
+        <a:xfrm>
+          <a:off x="0" y="0"/>
+          <a:ext cx="0" cy="0"/>
+          <a:chOff x="0" y="0"/>
+          <a:chExt cx="0" cy="0"/>
+        </a:xfrm>
+      </p:grpSpPr>
+      <p:sp>
+        <p:nvSpPr>
+          <p:cNvPr id="2" name=""/>
+          <p:cNvSpPr>
+            <a:spLocks noGrp="1"/>
+          </p:cNvSpPr>
+          <p:nvPr>
+            <p:ph type="title" idx="0"/>
+          </p:nvPr>
+        </p:nvSpPr>
+        <p:spPr/>
+        <p:txBody>
+          <a:bodyPr/>
+          <a:lstStyle/>
+          <a:p>
+            <a:pPr>
+              <a:defRPr/>
+            </a:pPr>
+            <a:r>
+              <a:rPr lang="en-US" altLang="ko-KR"/>
+              <a:t>UML</a:t>
+            </a:r>
+            <a:endParaRPr lang="en-US" altLang="ko-KR"/>
+          </a:p>
+        </p:txBody>
+      </p:sp>
+      <p:pic>
+        <p:nvPicPr>
+          <p:cNvPr id="3" name=""/>
+          <p:cNvPicPr>
+            <a:picLocks noGrp="1" noChangeAspect="1"/>
+          </p:cNvPicPr>
+          <p:nvPr>
+            <p:ph idx="1"/>
+          </p:nvPr>
+        </p:nvPicPr>
+        <p:blipFill rotWithShape="1">
+          <a:blip r:embed="rId2"/>
+          <a:stretch>
+            <a:fillRect/>
+          </a:stretch>
+        </p:blipFill>
+        <p:spPr>
+          <a:xfrm>
+            <a:off x="1127379" y="1133474"/>
+            <a:ext cx="9721215" cy="5142997"/>
+          </a:xfrm>
+          <a:prstGeom prst="rect">
+            <a:avLst/>
+          </a:prstGeom>
+        </p:spPr>
+      </p:pic>
+    </p:spTree>
+  </p:cSld>
+  <p:clrMapOvr>
+    <a:masterClrMapping/>
+  </p:clrMapOvr>
+  <mc:AlternateContent xmlns:mc="http://schemas.openxmlformats.org/markup-compatibility/2006">
+    <mc:Choice xmlns:p14="http://schemas.microsoft.com/office/powerpoint/2010/main" Requires="p14">
+      <p:transition xmlns:mc="http://schemas.openxmlformats.org/markup-compatibility/2006" xmlns:p14="http://schemas.microsoft.com/office/powerpoint/2010/main" mc:Ignorable="p14" p14:dur="500"/>
+    </mc:Choice>
+    <mc:Fallback>
+      <p:transition/>
+    </mc:Fallback>
+  </mc:AlternateContent>
+</p:sld>
+</file>
+
 <file path=ppt/theme/theme1.xml><?xml version="1.0" encoding="utf-8"?>
 <a:theme xmlns:r="http://schemas.openxmlformats.org/officeDocument/2006/relationships" xmlns:c="http://schemas.openxmlformats.org/drawingml/2006/chart" xmlns:dgm="http://schemas.openxmlformats.org/drawingml/2006/diagram" xmlns:dsp="http://schemas.microsoft.com/office/drawing/2008/diagram" xmlns:a="http://schemas.openxmlformats.org/drawingml/2006/main" xmlns:pic="http://schemas.openxmlformats.org/drawingml/2006/picture" xmlns:wp="http://schemas.openxmlformats.org/drawingml/2006/wordprocessingDrawing" xmlns:xdr="http://schemas.openxmlformats.org/drawingml/2006/spreadsheetDrawing" name="물방울">
   <a:themeElements>

--- a/2차 프로젝트 PPT.pptx
+++ b/2차 프로젝트 PPT.pptx
@@ -2,7 +2,7 @@
 <file path=ppt/presentation.xml><?xml version="1.0" encoding="utf-8"?>
 <p:presentation xmlns:r="http://schemas.openxmlformats.org/officeDocument/2006/relationships" xmlns:c="http://schemas.openxmlformats.org/drawingml/2006/chart" xmlns:a="http://schemas.openxmlformats.org/drawingml/2006/main" xmlns:dgm="http://schemas.openxmlformats.org/drawingml/2006/diagram" xmlns:dsp="http://schemas.microsoft.com/office/drawing/2008/diagram" xmlns:p="http://schemas.openxmlformats.org/presentationml/2006/main" saveSubsetFonts="1">
   <p:sldMasterIdLst>
-    <p:sldMasterId id="2147483756" r:id="rId1"/>
+    <p:sldMasterId id="2147483762" r:id="rId1"/>
   </p:sldMasterIdLst>
   <p:sldIdLst>
     <p:sldId id="256" r:id="rId2"/>
@@ -12353,32 +12353,32 @@
           </a:p>
         </p:txBody>
       </p:sp>
-      <p:sp>
-        <p:nvSpPr>
+      <p:pic>
+        <p:nvPicPr>
           <p:cNvPr id="3" name=""/>
-          <p:cNvSpPr>
-            <a:spLocks noGrp="1"/>
-          </p:cNvSpPr>
+          <p:cNvPicPr>
+            <a:picLocks noGrp="1" noChangeAspect="1"/>
+          </p:cNvPicPr>
           <p:nvPr>
             <p:ph idx="1"/>
           </p:nvPr>
-        </p:nvSpPr>
-        <p:spPr/>
-        <p:txBody>
-          <a:bodyPr/>
-          <a:lstStyle/>
-          <a:p>
-            <a:pPr>
-              <a:defRPr/>
-            </a:pPr>
-            <a:r>
-              <a:rPr lang="ko-KR" altLang="en-US"/>
-              <a:t/>
-            </a:r>
-            <a:endParaRPr lang="ko-KR" altLang="en-US"/>
-          </a:p>
-        </p:txBody>
-      </p:sp>
+        </p:nvPicPr>
+        <p:blipFill rotWithShape="1">
+          <a:blip r:embed="rId2"/>
+          <a:stretch>
+            <a:fillRect/>
+          </a:stretch>
+        </p:blipFill>
+        <p:spPr>
+          <a:xfrm>
+            <a:off x="263269" y="1133474"/>
+            <a:ext cx="11319128" cy="5142997"/>
+          </a:xfrm>
+          <a:prstGeom prst="rect">
+            <a:avLst/>
+          </a:prstGeom>
+        </p:spPr>
+      </p:pic>
     </p:spTree>
   </p:cSld>
   <p:clrMapOvr>
@@ -13383,32 +13383,30 @@
           </a:p>
         </p:txBody>
       </p:sp>
-      <p:sp>
-        <p:nvSpPr>
-          <p:cNvPr id="3" name=""/>
-          <p:cNvSpPr>
-            <a:spLocks noGrp="1"/>
-          </p:cNvSpPr>
-          <p:nvPr>
-            <p:ph idx="1"/>
-          </p:nvPr>
-        </p:nvSpPr>
-        <p:spPr/>
-        <p:txBody>
-          <a:bodyPr/>
-          <a:lstStyle/>
-          <a:p>
-            <a:pPr>
-              <a:defRPr/>
-            </a:pPr>
-            <a:r>
-              <a:rPr lang="ko-KR" altLang="en-US"/>
-              <a:t/>
-            </a:r>
-            <a:endParaRPr lang="ko-KR" altLang="en-US"/>
-          </a:p>
-        </p:txBody>
-      </p:sp>
+      <p:pic>
+        <p:nvPicPr>
+          <p:cNvPr id="4" name=""/>
+          <p:cNvPicPr>
+            <a:picLocks noChangeAspect="1"/>
+          </p:cNvPicPr>
+          <p:nvPr/>
+        </p:nvPicPr>
+        <p:blipFill rotWithShape="1">
+          <a:blip r:embed="rId2"/>
+          <a:stretch>
+            <a:fillRect/>
+          </a:stretch>
+        </p:blipFill>
+        <p:spPr>
+          <a:xfrm>
+            <a:off x="839343" y="1166363"/>
+            <a:ext cx="8460126" cy="5142997"/>
+          </a:xfrm>
+          <a:prstGeom prst="rect">
+            <a:avLst/>
+          </a:prstGeom>
+        </p:spPr>
+      </p:pic>
     </p:spTree>
   </p:cSld>
   <p:clrMapOvr>
@@ -13472,29 +13470,216 @@
           </a:p>
         </p:txBody>
       </p:sp>
-      <p:sp>
-        <p:nvSpPr>
+      <p:pic>
+        <p:nvPicPr>
           <p:cNvPr id="3" name=""/>
-          <p:cNvSpPr>
-            <a:spLocks noGrp="1"/>
-          </p:cNvSpPr>
+          <p:cNvPicPr>
+            <a:picLocks noGrp="1" noChangeAspect="1"/>
+          </p:cNvPicPr>
           <p:nvPr>
             <p:ph idx="1"/>
           </p:nvPr>
+        </p:nvPicPr>
+        <p:blipFill rotWithShape="1">
+          <a:blip r:embed="rId2"/>
+          <a:stretch>
+            <a:fillRect/>
+          </a:stretch>
+        </p:blipFill>
+        <p:spPr>
+          <a:xfrm>
+            <a:off x="0" y="944523"/>
+            <a:ext cx="5855000" cy="4489680"/>
+          </a:xfrm>
+          <a:prstGeom prst="rect">
+            <a:avLst/>
+          </a:prstGeom>
+        </p:spPr>
+      </p:pic>
+      <p:pic>
+        <p:nvPicPr>
+          <p:cNvPr id="4" name=""/>
+          <p:cNvPicPr>
+            <a:picLocks noChangeAspect="1"/>
+          </p:cNvPicPr>
+          <p:nvPr/>
+        </p:nvPicPr>
+        <p:blipFill rotWithShape="1">
+          <a:blip r:embed="rId3"/>
+          <a:stretch>
+            <a:fillRect/>
+          </a:stretch>
+        </p:blipFill>
+        <p:spPr>
+          <a:xfrm>
+            <a:off x="6312027" y="944522"/>
+            <a:ext cx="5473981" cy="4134062"/>
+          </a:xfrm>
+          <a:prstGeom prst="rect">
+            <a:avLst/>
+          </a:prstGeom>
+        </p:spPr>
+      </p:pic>
+      <p:sp>
+        <p:nvSpPr>
+          <p:cNvPr id="5" name=""/>
+          <p:cNvSpPr txBox="1"/>
+          <p:nvPr/>
         </p:nvSpPr>
-        <p:spPr/>
+        <p:spPr>
+          <a:xfrm>
+            <a:off x="490330" y="5584699"/>
+            <a:ext cx="10729341" cy="364616"/>
+          </a:xfrm>
+          <a:prstGeom prst="rect">
+            <a:avLst/>
+          </a:prstGeom>
+        </p:spPr>
         <p:txBody>
-          <a:bodyPr/>
-          <a:lstStyle/>
+          <a:bodyPr wrap="square">
+            <a:spAutoFit/>
+          </a:bodyPr>
           <a:p>
             <a:pPr>
               <a:defRPr/>
             </a:pPr>
-            <a:r>
-              <a:rPr lang="ko-KR" altLang="en-US"/>
-              <a:t/>
-            </a:r>
             <a:endParaRPr lang="ko-KR" altLang="en-US"/>
+          </a:p>
+        </p:txBody>
+      </p:sp>
+      <p:sp>
+        <p:nvSpPr>
+          <p:cNvPr id="6" name=""/>
+          <p:cNvSpPr txBox="1"/>
+          <p:nvPr/>
+        </p:nvSpPr>
+        <p:spPr>
+          <a:xfrm>
+            <a:off x="167154" y="5584699"/>
+            <a:ext cx="5524986" cy="642746"/>
+          </a:xfrm>
+          <a:prstGeom prst="rect">
+            <a:avLst/>
+          </a:prstGeom>
+        </p:spPr>
+        <p:txBody>
+          <a:bodyPr wrap="none">
+            <a:spAutoFit/>
+          </a:bodyPr>
+          <a:p>
+            <a:pPr>
+              <a:defRPr/>
+            </a:pPr>
+            <a:r>
+              <a:rPr lang="ko-KR" altLang="en-US"/>
+              <a:t>데이터 베이스로 읽어온 데이터들을 새로운 모달창에 값을</a:t>
+            </a:r>
+            <a:endParaRPr lang="ko-KR" altLang="en-US"/>
+          </a:p>
+          <a:p>
+            <a:pPr>
+              <a:defRPr/>
+            </a:pPr>
+            <a:r>
+              <a:rPr lang="ko-KR" altLang="en-US"/>
+              <a:t>넣어 수정할수 있게 하였습니다</a:t>
+            </a:r>
+            <a:r>
+              <a:rPr lang="en-US" altLang="ko-KR"/>
+              <a:t>.</a:t>
+            </a:r>
+            <a:endParaRPr lang="en-US" altLang="ko-KR"/>
+          </a:p>
+        </p:txBody>
+      </p:sp>
+      <p:sp>
+        <p:nvSpPr>
+          <p:cNvPr id="7" name=""/>
+          <p:cNvSpPr txBox="1"/>
+          <p:nvPr/>
+        </p:nvSpPr>
+        <p:spPr>
+          <a:xfrm>
+            <a:off x="6096000" y="5316094"/>
+            <a:ext cx="5647388" cy="901826"/>
+          </a:xfrm>
+          <a:prstGeom prst="rect">
+            <a:avLst/>
+          </a:prstGeom>
+        </p:spPr>
+        <p:txBody>
+          <a:bodyPr wrap="none">
+            <a:spAutoFit/>
+          </a:bodyPr>
+          <a:p>
+            <a:pPr>
+              <a:defRPr/>
+            </a:pPr>
+            <a:r>
+              <a:rPr lang="ko-KR" altLang="en-US"/>
+              <a:t>모달창에서 </a:t>
+            </a:r>
+            <a:r>
+              <a:rPr lang="en-US" altLang="ko-KR"/>
+              <a:t>submit</a:t>
+            </a:r>
+            <a:r>
+              <a:rPr lang="ko-KR" altLang="en-US"/>
+              <a:t> 하면 </a:t>
+            </a:r>
+            <a:r>
+              <a:rPr lang="en-US" altLang="ko-KR"/>
+              <a:t>post</a:t>
+            </a:r>
+            <a:r>
+              <a:rPr lang="ko-KR" altLang="en-US"/>
+              <a:t> 방식으로</a:t>
+            </a:r>
+            <a:endParaRPr lang="ko-KR" altLang="en-US"/>
+          </a:p>
+          <a:p>
+            <a:pPr>
+              <a:defRPr/>
+            </a:pPr>
+            <a:r>
+              <a:rPr lang="ko-KR" altLang="en-US"/>
+              <a:t>넘어와 </a:t>
+            </a:r>
+            <a:r>
+              <a:rPr lang="en-US" altLang="ko-KR"/>
+              <a:t>controller</a:t>
+            </a:r>
+            <a:r>
+              <a:rPr lang="ko-KR" altLang="en-US"/>
+              <a:t>에 들어와서</a:t>
+            </a:r>
+            <a:endParaRPr lang="en-US" altLang="ko-KR"/>
+          </a:p>
+          <a:p>
+            <a:pPr>
+              <a:defRPr/>
+            </a:pPr>
+            <a:r>
+              <a:rPr lang="en-US" altLang="ko-KR"/>
+              <a:t>getParameter </a:t>
+            </a:r>
+            <a:r>
+              <a:rPr lang="ko-KR" altLang="en-US"/>
+              <a:t>를 이용하여 수정되게 하는 </a:t>
+            </a:r>
+            <a:r>
+              <a:rPr lang="en-US" altLang="ko-KR"/>
+              <a:t>Update</a:t>
+            </a:r>
+            <a:r>
+              <a:rPr lang="ko-KR" altLang="en-US"/>
+              <a:t> 입니다</a:t>
+            </a:r>
+            <a:r>
+              <a:rPr lang="en-US" altLang="ko-KR"/>
+              <a:t>.</a:t>
+            </a:r>
+            <a:endParaRPr lang="en-US" altLang="ko-KR"/>
           </a:p>
         </p:txBody>
       </p:sp>
@@ -13896,32 +14081,32 @@
           </a:p>
         </p:txBody>
       </p:sp>
-      <p:sp>
-        <p:nvSpPr>
-          <p:cNvPr id="3" name=""/>
-          <p:cNvSpPr>
-            <a:spLocks noGrp="1"/>
-          </p:cNvSpPr>
+      <p:pic>
+        <p:nvPicPr>
+          <p:cNvPr id="4" name=""/>
+          <p:cNvPicPr>
+            <a:picLocks noGrp="1" noChangeAspect="1"/>
+          </p:cNvPicPr>
           <p:nvPr>
             <p:ph idx="1"/>
           </p:nvPr>
-        </p:nvSpPr>
-        <p:spPr/>
-        <p:txBody>
-          <a:bodyPr/>
-          <a:lstStyle/>
-          <a:p>
-            <a:pPr>
-              <a:defRPr/>
-            </a:pPr>
-            <a:r>
-              <a:rPr lang="ko-KR" altLang="en-US"/>
-              <a:t/>
-            </a:r>
-            <a:endParaRPr lang="ko-KR" altLang="en-US"/>
-          </a:p>
-        </p:txBody>
-      </p:sp>
+        </p:nvPicPr>
+        <p:blipFill rotWithShape="1">
+          <a:blip r:embed="rId2"/>
+          <a:stretch>
+            <a:fillRect/>
+          </a:stretch>
+        </p:blipFill>
+        <p:spPr>
+          <a:xfrm>
+            <a:off x="609599" y="1094354"/>
+            <a:ext cx="10021747" cy="5142997"/>
+          </a:xfrm>
+          <a:prstGeom prst="rect">
+            <a:avLst/>
+          </a:prstGeom>
+        </p:spPr>
+      </p:pic>
     </p:spTree>
   </p:cSld>
   <p:clrMapOvr>
@@ -13985,27 +14170,213 @@
           </a:p>
         </p:txBody>
       </p:sp>
-      <p:sp>
-        <p:nvSpPr>
+      <p:pic>
+        <p:nvPicPr>
           <p:cNvPr id="3" name=""/>
-          <p:cNvSpPr>
-            <a:spLocks noGrp="1"/>
-          </p:cNvSpPr>
+          <p:cNvPicPr>
+            <a:picLocks noGrp="1" noChangeAspect="1"/>
+          </p:cNvPicPr>
           <p:nvPr>
             <p:ph idx="1"/>
           </p:nvPr>
+        </p:nvPicPr>
+        <p:blipFill rotWithShape="1">
+          <a:blip r:embed="rId2"/>
+          <a:stretch>
+            <a:fillRect/>
+          </a:stretch>
+        </p:blipFill>
+        <p:spPr>
+          <a:xfrm>
+            <a:off x="191262" y="944523"/>
+            <a:ext cx="6641564" cy="3384423"/>
+          </a:xfrm>
+          <a:prstGeom prst="rect">
+            <a:avLst/>
+          </a:prstGeom>
+        </p:spPr>
+      </p:pic>
+      <p:pic>
+        <p:nvPicPr>
+          <p:cNvPr id="4" name=""/>
+          <p:cNvPicPr>
+            <a:picLocks noChangeAspect="1"/>
+          </p:cNvPicPr>
+          <p:nvPr/>
+        </p:nvPicPr>
+        <p:blipFill rotWithShape="1">
+          <a:blip r:embed="rId3"/>
+          <a:stretch>
+            <a:fillRect/>
+          </a:stretch>
+        </p:blipFill>
+        <p:spPr>
+          <a:xfrm>
+            <a:off x="6602590" y="944523"/>
+            <a:ext cx="5110112" cy="3640955"/>
+          </a:xfrm>
+          <a:prstGeom prst="rect">
+            <a:avLst/>
+          </a:prstGeom>
+        </p:spPr>
+      </p:pic>
+      <p:sp>
+        <p:nvSpPr>
+          <p:cNvPr id="5" name=""/>
+          <p:cNvSpPr txBox="1"/>
+          <p:nvPr/>
         </p:nvSpPr>
-        <p:spPr/>
+        <p:spPr>
+          <a:xfrm>
+            <a:off x="191262" y="4719590"/>
+            <a:ext cx="10972799" cy="365617"/>
+          </a:xfrm>
+          <a:prstGeom prst="rect">
+            <a:avLst/>
+          </a:prstGeom>
+        </p:spPr>
         <p:txBody>
-          <a:bodyPr/>
-          <a:lstStyle/>
+          <a:bodyPr wrap="square">
+            <a:spAutoFit/>
+          </a:bodyPr>
           <a:p>
             <a:pPr>
               <a:defRPr/>
             </a:pPr>
-            <a:r>
-              <a:rPr lang="ko-KR" altLang="en-US"/>
-              <a:t/>
+            <a:endParaRPr lang="ko-KR" altLang="en-US"/>
+          </a:p>
+        </p:txBody>
+      </p:sp>
+      <p:sp>
+        <p:nvSpPr>
+          <p:cNvPr id="6" name=""/>
+          <p:cNvSpPr txBox="1"/>
+          <p:nvPr/>
+        </p:nvSpPr>
+        <p:spPr>
+          <a:xfrm>
+            <a:off x="479294" y="4902398"/>
+            <a:ext cx="10861170" cy="905946"/>
+          </a:xfrm>
+          <a:prstGeom prst="rect">
+            <a:avLst/>
+          </a:prstGeom>
+        </p:spPr>
+        <p:txBody>
+          <a:bodyPr wrap="none">
+            <a:spAutoFit/>
+          </a:bodyPr>
+          <a:p>
+            <a:pPr>
+              <a:defRPr/>
+            </a:pPr>
+            <a:r>
+              <a:rPr lang="ko-KR" altLang="en-US"/>
+              <a:t>팝업창을 따로 띄워서 </a:t>
+            </a:r>
+            <a:r>
+              <a:rPr lang="en-US" altLang="ko-KR"/>
+              <a:t>submit</a:t>
+            </a:r>
+            <a:r>
+              <a:rPr lang="ko-KR" altLang="en-US"/>
+              <a:t> 하면 </a:t>
+            </a:r>
+            <a:r>
+              <a:rPr lang="en-US" altLang="ko-KR"/>
+              <a:t>DAO</a:t>
+            </a:r>
+            <a:r>
+              <a:rPr lang="ko-KR" altLang="en-US"/>
+              <a:t> 까지 들어오게 되고</a:t>
+            </a:r>
+            <a:r>
+              <a:rPr lang="en-US" altLang="ko-KR"/>
+              <a:t>,</a:t>
+            </a:r>
+            <a:r>
+              <a:rPr lang="ko-KR" altLang="en-US"/>
+              <a:t> 만들어야 될 데이터의 </a:t>
+            </a:r>
+            <a:r>
+              <a:rPr lang="en-US" altLang="ko-KR"/>
+              <a:t>table</a:t>
+            </a:r>
+            <a:r>
+              <a:rPr lang="ko-KR" altLang="en-US"/>
+              <a:t>이 두개이기 때문에</a:t>
+            </a:r>
+            <a:endParaRPr lang="ko-KR" altLang="en-US"/>
+          </a:p>
+          <a:p>
+            <a:pPr>
+              <a:defRPr/>
+            </a:pPr>
+            <a:r>
+              <a:rPr lang="en-US" altLang="ko-KR"/>
+              <a:t>insert</a:t>
+            </a:r>
+            <a:r>
+              <a:rPr lang="ko-KR" altLang="en-US"/>
+              <a:t>문을 </a:t>
+            </a:r>
+            <a:r>
+              <a:rPr lang="en-US" altLang="ko-KR"/>
+              <a:t>2</a:t>
+            </a:r>
+            <a:r>
+              <a:rPr lang="ko-KR" altLang="en-US"/>
+              <a:t>개를 작성하여</a:t>
+            </a:r>
+            <a:r>
+              <a:rPr lang="en-US" altLang="ko-KR"/>
+              <a:t>,</a:t>
+            </a:r>
+            <a:r>
+              <a:rPr lang="ko-KR" altLang="en-US"/>
+              <a:t> 따로 따로 </a:t>
+            </a:r>
+            <a:r>
+              <a:rPr lang="en-US" altLang="ko-KR"/>
+              <a:t>prepare</a:t>
+            </a:r>
+            <a:r>
+              <a:rPr lang="ko-KR" altLang="en-US"/>
+              <a:t>에 각각 세팅해주었습니다</a:t>
+            </a:r>
+            <a:r>
+              <a:rPr lang="en-US" altLang="ko-KR"/>
+              <a:t>.</a:t>
+            </a:r>
+            <a:r>
+              <a:rPr lang="ko-KR" altLang="en-US"/>
+              <a:t> 그렇게 데이터 베이스엔</a:t>
+            </a:r>
+            <a:r>
+              <a:rPr lang="en-US" altLang="ko-KR"/>
+              <a:t>,</a:t>
+            </a:r>
+            <a:r>
+              <a:rPr lang="ko-KR" altLang="en-US"/>
+              <a:t> 두개의 테이블에</a:t>
+            </a:r>
+            <a:endParaRPr lang="ko-KR" altLang="en-US"/>
+          </a:p>
+          <a:p>
+            <a:pPr>
+              <a:defRPr/>
+            </a:pPr>
+            <a:r>
+              <a:rPr lang="ko-KR" altLang="en-US"/>
+              <a:t>새로운 데이터가 추가 되는 로직을 구현했습니다</a:t>
+            </a:r>
+            <a:r>
+              <a:rPr lang="en-US" altLang="ko-KR"/>
+              <a:t>.</a:t>
+            </a:r>
+            <a:r>
+              <a:rPr lang="ko-KR" altLang="en-US"/>
+              <a:t> </a:t>
             </a:r>
             <a:endParaRPr lang="ko-KR" altLang="en-US"/>
           </a:p>
@@ -14746,7 +15117,15 @@
             </a:r>
             <a:r>
               <a:rPr lang="ko-KR" altLang="en-US"/>
-              <a:t>회원가입 서블릿 구현</a:t>
+              <a:t>회원가입 및 관리자 페이지</a:t>
+            </a:r>
+            <a:r>
+              <a:rPr lang="en-US" altLang="ko-KR"/>
+              <a:t>,</a:t>
+            </a:r>
+            <a:r>
+              <a:rPr lang="ko-KR" altLang="en-US"/>
+              <a:t> 게시글 페이지 서블릿 구현</a:t>
             </a:r>
             <a:endParaRPr lang="ko-KR" altLang="en-US"/>
           </a:p>
@@ -14777,7 +15156,7 @@
               <a:rPr lang="ko-KR" altLang="en-US" sz="3900"/>
               <a:t>동기</a:t>
             </a:r>
-            <a:endParaRPr lang="ko-KR" altLang="en-US" sz="2400"/>
+            <a:endParaRPr lang="ko-KR" altLang="en-US" sz="3900"/>
           </a:p>
           <a:p>
             <a:pPr marL="261938" indent="-261938" algn="l" defTabSz="914400" rtl="0" eaLnBrk="1" latinLnBrk="1" hangingPunct="1">

--- a/2차 프로젝트 PPT.pptx
+++ b/2차 프로젝트 PPT.pptx
@@ -2,7 +2,7 @@
 <file path=ppt/presentation.xml><?xml version="1.0" encoding="utf-8"?>
 <p:presentation xmlns:r="http://schemas.openxmlformats.org/officeDocument/2006/relationships" xmlns:c="http://schemas.openxmlformats.org/drawingml/2006/chart" xmlns:a="http://schemas.openxmlformats.org/drawingml/2006/main" xmlns:dgm="http://schemas.openxmlformats.org/drawingml/2006/diagram" xmlns:dsp="http://schemas.microsoft.com/office/drawing/2008/diagram" xmlns:p="http://schemas.openxmlformats.org/presentationml/2006/main" saveSubsetFonts="1">
   <p:sldMasterIdLst>
-    <p:sldMasterId id="2147483762" r:id="rId1"/>
+    <p:sldMasterId id="2147483744" r:id="rId1"/>
   </p:sldMasterIdLst>
   <p:sldIdLst>
     <p:sldId id="256" r:id="rId2"/>
@@ -14189,7 +14189,7 @@
         <p:spPr>
           <a:xfrm>
             <a:off x="191262" y="944523"/>
-            <a:ext cx="6641564" cy="3384423"/>
+            <a:ext cx="7766901" cy="4500729"/>
           </a:xfrm>
           <a:prstGeom prst="rect">
             <a:avLst/>
@@ -14212,8 +14212,8 @@
         </p:blipFill>
         <p:spPr>
           <a:xfrm>
-            <a:off x="6602590" y="944523"/>
-            <a:ext cx="5110112" cy="3640955"/>
+            <a:off x="6744080" y="944523"/>
+            <a:ext cx="5447919" cy="4500729"/>
           </a:xfrm>
           <a:prstGeom prst="rect">
             <a:avLst/>
@@ -14255,8 +14255,8 @@
         </p:nvSpPr>
         <p:spPr>
           <a:xfrm>
-            <a:off x="479294" y="4902398"/>
-            <a:ext cx="10861170" cy="905946"/>
+            <a:off x="609599" y="5619440"/>
+            <a:ext cx="10864216" cy="905947"/>
           </a:xfrm>
           <a:prstGeom prst="rect">
             <a:avLst/>
